--- a/LIghtPipePPT.pptx
+++ b/LIghtPipePPT.pptx
@@ -10,7 +10,8 @@
     <p:sldId id="258" r:id="rId4"/>
     <p:sldId id="263" r:id="rId5"/>
     <p:sldId id="264" r:id="rId6"/>
-    <p:sldId id="262" r:id="rId7"/>
+    <p:sldId id="265" r:id="rId7"/>
+    <p:sldId id="262" r:id="rId8"/>
   </p:sldIdLst>
   <p:sldSz cx="12192000" cy="6858000"/>
   <p:notesSz cx="6858000" cy="9144000"/>
@@ -4123,7 +4124,7 @@
                   <a:schemeClr val="bg1"/>
                 </a:solidFill>
               </a:rPr>
-              <a:t>기능</a:t>
+              <a:t>기능과 구성</a:t>
             </a:r>
             <a:endParaRPr lang="ko-KR" altLang="en-US" sz="1400" dirty="0">
               <a:solidFill>
@@ -4142,7 +4143,7 @@
         <p:spPr>
           <a:xfrm>
             <a:off x="8340132" y="4569123"/>
-            <a:ext cx="1733706" cy="338554"/>
+            <a:ext cx="1733706" cy="307777"/>
           </a:xfrm>
           <a:prstGeom prst="rect">
             <a:avLst/>
@@ -4157,12 +4158,20 @@
           <a:p>
             <a:pPr algn="ctr"/>
             <a:r>
-              <a:rPr lang="ko-KR" altLang="en-US" sz="1600" smtClean="0">
+              <a:rPr lang="en-US" altLang="ko-KR" sz="1400" dirty="0" smtClean="0">
                 <a:solidFill>
                   <a:schemeClr val="bg1"/>
                 </a:solidFill>
               </a:rPr>
-              <a:t>구성</a:t>
+              <a:t>Demo </a:t>
+            </a:r>
+            <a:r>
+              <a:rPr lang="ko-KR" altLang="en-US" sz="1400" dirty="0" smtClean="0">
+                <a:solidFill>
+                  <a:schemeClr val="bg1"/>
+                </a:solidFill>
+              </a:rPr>
+              <a:t>영상</a:t>
             </a:r>
             <a:endParaRPr lang="ko-KR" altLang="en-US" sz="1400" dirty="0">
               <a:solidFill>
@@ -4504,6 +4513,61 @@
           </a:p>
         </p:txBody>
       </p:sp>
+      <p:sp>
+        <p:nvSpPr>
+          <p:cNvPr id="2" name="TextBox 1"/>
+          <p:cNvSpPr txBox="1"/>
+          <p:nvPr/>
+        </p:nvSpPr>
+        <p:spPr>
+          <a:xfrm>
+            <a:off x="2016087" y="3040843"/>
+            <a:ext cx="2809301" cy="461665"/>
+          </a:xfrm>
+          <a:prstGeom prst="rect">
+            <a:avLst/>
+          </a:prstGeom>
+          <a:noFill/>
+        </p:spPr>
+        <p:txBody>
+          <a:bodyPr wrap="square" rtlCol="0">
+            <a:spAutoFit/>
+          </a:bodyPr>
+          <a:lstStyle/>
+          <a:p>
+            <a:pPr algn="ctr"/>
+            <a:r>
+              <a:rPr lang="ko-KR" altLang="en-US" sz="2400" dirty="0" err="1" smtClean="0">
+                <a:solidFill>
+                  <a:schemeClr val="bg1"/>
+                </a:solidFill>
+              </a:rPr>
+              <a:t>테레민</a:t>
+            </a:r>
+            <a:r>
+              <a:rPr lang="ko-KR" altLang="en-US" sz="2400" dirty="0" smtClean="0">
+                <a:solidFill>
+                  <a:schemeClr val="bg1"/>
+                </a:solidFill>
+              </a:rPr>
+              <a:t> </a:t>
+            </a:r>
+            <a:r>
+              <a:rPr lang="en-US" altLang="ko-KR" sz="2400" dirty="0" smtClean="0">
+                <a:solidFill>
+                  <a:schemeClr val="bg1"/>
+                </a:solidFill>
+              </a:rPr>
+              <a:t>(Theremin)</a:t>
+            </a:r>
+            <a:endParaRPr lang="ko-KR" altLang="en-US" sz="2400" dirty="0">
+              <a:solidFill>
+                <a:schemeClr val="bg1"/>
+              </a:solidFill>
+            </a:endParaRPr>
+          </a:p>
+        </p:txBody>
+      </p:sp>
     </p:spTree>
     <p:extLst>
       <p:ext uri="{BB962C8B-B14F-4D97-AF65-F5344CB8AC3E}">
@@ -4517,9 +4581,154 @@
   <p:timing>
     <p:tnLst>
       <p:par>
-        <p:cTn id="1" dur="indefinite" restart="never" nodeType="tmRoot"/>
+        <p:cTn id="1" dur="indefinite" restart="never" nodeType="tmRoot">
+          <p:childTnLst>
+            <p:seq concurrent="1" nextAc="seek">
+              <p:cTn id="2" dur="indefinite" nodeType="mainSeq">
+                <p:childTnLst>
+                  <p:par>
+                    <p:cTn id="3" fill="hold">
+                      <p:stCondLst>
+                        <p:cond delay="indefinite"/>
+                      </p:stCondLst>
+                      <p:childTnLst>
+                        <p:par>
+                          <p:cTn id="4" fill="hold">
+                            <p:stCondLst>
+                              <p:cond delay="0"/>
+                            </p:stCondLst>
+                            <p:childTnLst>
+                              <p:par>
+                                <p:cTn id="5" presetID="1" presetClass="exit" presetSubtype="0" fill="hold" grpId="0" nodeType="clickEffect">
+                                  <p:stCondLst>
+                                    <p:cond delay="0"/>
+                                  </p:stCondLst>
+                                  <p:childTnLst>
+                                    <p:set>
+                                      <p:cBhvr>
+                                        <p:cTn id="6" dur="1" fill="hold">
+                                          <p:stCondLst>
+                                            <p:cond delay="0"/>
+                                          </p:stCondLst>
+                                        </p:cTn>
+                                        <p:tgtEl>
+                                          <p:spTgt spid="2"/>
+                                        </p:tgtEl>
+                                        <p:attrNameLst>
+                                          <p:attrName>style.visibility</p:attrName>
+                                        </p:attrNameLst>
+                                      </p:cBhvr>
+                                      <p:to>
+                                        <p:strVal val="hidden"/>
+                                      </p:to>
+                                    </p:set>
+                                  </p:childTnLst>
+                                </p:cTn>
+                              </p:par>
+                              <p:par>
+                                <p:cTn id="7" presetID="2" presetClass="entr" presetSubtype="4" fill="hold" grpId="0" nodeType="withEffect">
+                                  <p:stCondLst>
+                                    <p:cond delay="0"/>
+                                  </p:stCondLst>
+                                  <p:childTnLst>
+                                    <p:set>
+                                      <p:cBhvr>
+                                        <p:cTn id="8" dur="1" fill="hold">
+                                          <p:stCondLst>
+                                            <p:cond delay="0"/>
+                                          </p:stCondLst>
+                                        </p:cTn>
+                                        <p:tgtEl>
+                                          <p:spTgt spid="4"/>
+                                        </p:tgtEl>
+                                        <p:attrNameLst>
+                                          <p:attrName>style.visibility</p:attrName>
+                                        </p:attrNameLst>
+                                      </p:cBhvr>
+                                      <p:to>
+                                        <p:strVal val="visible"/>
+                                      </p:to>
+                                    </p:set>
+                                    <p:anim calcmode="lin" valueType="num">
+                                      <p:cBhvr additive="base">
+                                        <p:cTn id="9" dur="500" fill="hold"/>
+                                        <p:tgtEl>
+                                          <p:spTgt spid="4"/>
+                                        </p:tgtEl>
+                                        <p:attrNameLst>
+                                          <p:attrName>ppt_x</p:attrName>
+                                        </p:attrNameLst>
+                                      </p:cBhvr>
+                                      <p:tavLst>
+                                        <p:tav tm="0">
+                                          <p:val>
+                                            <p:strVal val="#ppt_x"/>
+                                          </p:val>
+                                        </p:tav>
+                                        <p:tav tm="100000">
+                                          <p:val>
+                                            <p:strVal val="#ppt_x"/>
+                                          </p:val>
+                                        </p:tav>
+                                      </p:tavLst>
+                                    </p:anim>
+                                    <p:anim calcmode="lin" valueType="num">
+                                      <p:cBhvr additive="base">
+                                        <p:cTn id="10" dur="500" fill="hold"/>
+                                        <p:tgtEl>
+                                          <p:spTgt spid="4"/>
+                                        </p:tgtEl>
+                                        <p:attrNameLst>
+                                          <p:attrName>ppt_y</p:attrName>
+                                        </p:attrNameLst>
+                                      </p:cBhvr>
+                                      <p:tavLst>
+                                        <p:tav tm="0">
+                                          <p:val>
+                                            <p:strVal val="1+#ppt_h/2"/>
+                                          </p:val>
+                                        </p:tav>
+                                        <p:tav tm="100000">
+                                          <p:val>
+                                            <p:strVal val="#ppt_y"/>
+                                          </p:val>
+                                        </p:tav>
+                                      </p:tavLst>
+                                    </p:anim>
+                                  </p:childTnLst>
+                                </p:cTn>
+                              </p:par>
+                            </p:childTnLst>
+                          </p:cTn>
+                        </p:par>
+                      </p:childTnLst>
+                    </p:cTn>
+                  </p:par>
+                </p:childTnLst>
+              </p:cTn>
+              <p:prevCondLst>
+                <p:cond evt="onPrev" delay="0">
+                  <p:tgtEl>
+                    <p:sldTgt/>
+                  </p:tgtEl>
+                </p:cond>
+              </p:prevCondLst>
+              <p:nextCondLst>
+                <p:cond evt="onNext" delay="0">
+                  <p:tgtEl>
+                    <p:sldTgt/>
+                  </p:tgtEl>
+                </p:cond>
+              </p:nextCondLst>
+            </p:seq>
+          </p:childTnLst>
+        </p:cTn>
       </p:par>
     </p:tnLst>
+    <p:bldLst>
+      <p:bldP spid="4" grpId="0"/>
+      <p:bldP spid="2" grpId="0"/>
+    </p:bldLst>
   </p:timing>
 </p:sld>
 </file>
@@ -6106,6 +6315,235 @@
 </file>
 
 <file path=ppt/slides/slide6.xml><?xml version="1.0" encoding="utf-8"?>
+<p:sld xmlns:a="http://schemas.openxmlformats.org/drawingml/2006/main" xmlns:r="http://schemas.openxmlformats.org/officeDocument/2006/relationships" xmlns:p="http://schemas.openxmlformats.org/presentationml/2006/main">
+  <p:cSld>
+    <p:bg>
+      <p:bgPr>
+        <a:solidFill>
+          <a:srgbClr val="222222"/>
+        </a:solidFill>
+        <a:effectLst/>
+      </p:bgPr>
+    </p:bg>
+    <p:spTree>
+      <p:nvGrpSpPr>
+        <p:cNvPr id="1" name=""/>
+        <p:cNvGrpSpPr/>
+        <p:nvPr/>
+      </p:nvGrpSpPr>
+      <p:grpSpPr>
+        <a:xfrm>
+          <a:off x="0" y="0"/>
+          <a:ext cx="0" cy="0"/>
+          <a:chOff x="0" y="0"/>
+          <a:chExt cx="0" cy="0"/>
+        </a:xfrm>
+      </p:grpSpPr>
+      <p:sp>
+        <p:nvSpPr>
+          <p:cNvPr id="2240" name="이등변 삼각형 2239"/>
+          <p:cNvSpPr/>
+          <p:nvPr/>
+        </p:nvSpPr>
+        <p:spPr>
+          <a:xfrm>
+            <a:off x="6011148" y="100484"/>
+            <a:ext cx="1203569" cy="954593"/>
+          </a:xfrm>
+          <a:prstGeom prst="triangle">
+            <a:avLst/>
+          </a:prstGeom>
+          <a:solidFill>
+            <a:srgbClr val="222222"/>
+          </a:solidFill>
+          <a:ln>
+            <a:noFill/>
+          </a:ln>
+          <a:effectLst>
+            <a:outerShdw blurRad="50800" dist="38100" dir="18900000" algn="bl" rotWithShape="0">
+              <a:prstClr val="black">
+                <a:alpha val="40000"/>
+              </a:prstClr>
+            </a:outerShdw>
+          </a:effectLst>
+        </p:spPr>
+        <p:style>
+          <a:lnRef idx="2">
+            <a:schemeClr val="accent1">
+              <a:shade val="50000"/>
+            </a:schemeClr>
+          </a:lnRef>
+          <a:fillRef idx="1">
+            <a:schemeClr val="accent1"/>
+          </a:fillRef>
+          <a:effectRef idx="0">
+            <a:schemeClr val="accent1"/>
+          </a:effectRef>
+          <a:fontRef idx="minor">
+            <a:schemeClr val="lt1"/>
+          </a:fontRef>
+        </p:style>
+        <p:txBody>
+          <a:bodyPr rtlCol="0" anchor="ctr"/>
+          <a:lstStyle/>
+          <a:p>
+            <a:pPr algn="ctr"/>
+            <a:endParaRPr lang="ko-KR" altLang="en-US"/>
+          </a:p>
+        </p:txBody>
+      </p:sp>
+      <p:cxnSp>
+        <p:nvCxnSpPr>
+          <p:cNvPr id="6" name="직선 연결선 5"/>
+          <p:cNvCxnSpPr/>
+          <p:nvPr/>
+        </p:nvCxnSpPr>
+        <p:spPr>
+          <a:xfrm>
+            <a:off x="344215" y="740607"/>
+            <a:ext cx="2388475" cy="0"/>
+          </a:xfrm>
+          <a:prstGeom prst="line">
+            <a:avLst/>
+          </a:prstGeom>
+        </p:spPr>
+        <p:style>
+          <a:lnRef idx="1">
+            <a:schemeClr val="accent1"/>
+          </a:lnRef>
+          <a:fillRef idx="0">
+            <a:schemeClr val="accent1"/>
+          </a:fillRef>
+          <a:effectRef idx="0">
+            <a:schemeClr val="accent1"/>
+          </a:effectRef>
+          <a:fontRef idx="minor">
+            <a:schemeClr val="tx1"/>
+          </a:fontRef>
+        </p:style>
+      </p:cxnSp>
+      <p:sp>
+        <p:nvSpPr>
+          <p:cNvPr id="10" name="TextBox 9"/>
+          <p:cNvSpPr txBox="1"/>
+          <p:nvPr/>
+        </p:nvSpPr>
+        <p:spPr>
+          <a:xfrm>
+            <a:off x="495911" y="340497"/>
+            <a:ext cx="3363310" cy="400110"/>
+          </a:xfrm>
+          <a:prstGeom prst="rect">
+            <a:avLst/>
+          </a:prstGeom>
+          <a:noFill/>
+        </p:spPr>
+        <p:txBody>
+          <a:bodyPr wrap="square" rtlCol="0">
+            <a:spAutoFit/>
+          </a:bodyPr>
+          <a:lstStyle/>
+          <a:p>
+            <a:r>
+              <a:rPr lang="en-US" altLang="ko-KR" sz="2000" dirty="0">
+                <a:solidFill>
+                  <a:schemeClr val="bg1"/>
+                </a:solidFill>
+              </a:rPr>
+              <a:t>4</a:t>
+            </a:r>
+            <a:r>
+              <a:rPr lang="en-US" altLang="ko-KR" sz="2000" dirty="0" smtClean="0">
+                <a:solidFill>
+                  <a:schemeClr val="bg1"/>
+                </a:solidFill>
+              </a:rPr>
+              <a:t>.</a:t>
+            </a:r>
+            <a:r>
+              <a:rPr lang="ko-KR" altLang="en-US" sz="2000" dirty="0" smtClean="0">
+                <a:solidFill>
+                  <a:schemeClr val="bg1"/>
+                </a:solidFill>
+              </a:rPr>
+              <a:t> </a:t>
+            </a:r>
+            <a:r>
+              <a:rPr lang="en-US" altLang="ko-KR" sz="2000" dirty="0" smtClean="0">
+                <a:solidFill>
+                  <a:schemeClr val="bg1"/>
+                </a:solidFill>
+              </a:rPr>
+              <a:t>Q&amp;A</a:t>
+            </a:r>
+            <a:endParaRPr lang="ko-KR" altLang="en-US" sz="2000" dirty="0">
+              <a:solidFill>
+                <a:schemeClr val="bg1"/>
+              </a:solidFill>
+            </a:endParaRPr>
+          </a:p>
+        </p:txBody>
+      </p:sp>
+      <p:sp>
+        <p:nvSpPr>
+          <p:cNvPr id="3" name="TextBox 2"/>
+          <p:cNvSpPr txBox="1"/>
+          <p:nvPr/>
+        </p:nvSpPr>
+        <p:spPr>
+          <a:xfrm>
+            <a:off x="3321269" y="2585545"/>
+            <a:ext cx="4929352" cy="1323439"/>
+          </a:xfrm>
+          <a:prstGeom prst="rect">
+            <a:avLst/>
+          </a:prstGeom>
+          <a:noFill/>
+        </p:spPr>
+        <p:txBody>
+          <a:bodyPr wrap="square" rtlCol="0">
+            <a:spAutoFit/>
+          </a:bodyPr>
+          <a:lstStyle/>
+          <a:p>
+            <a:pPr algn="ctr"/>
+            <a:r>
+              <a:rPr lang="en-US" altLang="ko-KR" sz="8000" dirty="0" smtClean="0">
+                <a:solidFill>
+                  <a:schemeClr val="bg1"/>
+                </a:solidFill>
+              </a:rPr>
+              <a:t>Q &amp; A</a:t>
+            </a:r>
+            <a:endParaRPr lang="ko-KR" altLang="en-US" sz="8000" dirty="0">
+              <a:solidFill>
+                <a:schemeClr val="bg1"/>
+              </a:solidFill>
+            </a:endParaRPr>
+          </a:p>
+        </p:txBody>
+      </p:sp>
+    </p:spTree>
+    <p:extLst>
+      <p:ext uri="{BB962C8B-B14F-4D97-AF65-F5344CB8AC3E}">
+        <p14:creationId xmlns:p14="http://schemas.microsoft.com/office/powerpoint/2010/main" val="2989941756"/>
+      </p:ext>
+    </p:extLst>
+  </p:cSld>
+  <p:clrMapOvr>
+    <a:masterClrMapping/>
+  </p:clrMapOvr>
+  <p:timing>
+    <p:tnLst>
+      <p:par>
+        <p:cTn id="1" dur="indefinite" restart="never" nodeType="tmRoot"/>
+      </p:par>
+    </p:tnLst>
+  </p:timing>
+</p:sld>
+</file>
+
+<file path=ppt/slides/slide7.xml><?xml version="1.0" encoding="utf-8"?>
 <p:sld xmlns:a="http://schemas.openxmlformats.org/drawingml/2006/main" xmlns:r="http://schemas.openxmlformats.org/officeDocument/2006/relationships" xmlns:p="http://schemas.openxmlformats.org/presentationml/2006/main">
   <p:cSld>
     <p:bg>
@@ -6764,3505 +7202,16 @@
           </p:txBody>
         </p:sp>
       </p:grpSp>
-      <p:grpSp>
-        <p:nvGrpSpPr>
-          <p:cNvPr id="2256" name="그룹 2255"/>
-          <p:cNvGrpSpPr/>
-          <p:nvPr/>
-        </p:nvGrpSpPr>
-        <p:grpSpPr>
-          <a:xfrm>
-            <a:off x="5678218" y="2449914"/>
-            <a:ext cx="1117252" cy="1117252"/>
-            <a:chOff x="5678217" y="2449913"/>
-            <a:chExt cx="1217735" cy="1217735"/>
-          </a:xfrm>
-          <a:effectLst>
-            <a:outerShdw blurRad="50800" dist="38100" dir="2700000" algn="tl" rotWithShape="0">
-              <a:prstClr val="black">
-                <a:alpha val="40000"/>
-              </a:prstClr>
-            </a:outerShdw>
-          </a:effectLst>
-        </p:grpSpPr>
-        <p:grpSp>
-          <p:nvGrpSpPr>
-            <p:cNvPr id="2252" name="그룹 2251"/>
-            <p:cNvGrpSpPr/>
-            <p:nvPr/>
-          </p:nvGrpSpPr>
-          <p:grpSpPr>
-            <a:xfrm>
-              <a:off x="5941315" y="2685790"/>
-              <a:ext cx="691539" cy="744098"/>
-              <a:chOff x="4529138" y="2538413"/>
-              <a:chExt cx="2255838" cy="2427287"/>
-            </a:xfrm>
-            <a:solidFill>
-              <a:schemeClr val="bg1"/>
-            </a:solidFill>
-          </p:grpSpPr>
-          <p:sp>
-            <p:nvSpPr>
-              <p:cNvPr id="2247" name="Freeform 1249"/>
-              <p:cNvSpPr>
-                <a:spLocks noEditPoints="1"/>
-              </p:cNvSpPr>
-              <p:nvPr/>
-            </p:nvSpPr>
-            <p:spPr bwMode="auto">
-              <a:xfrm>
-                <a:off x="4529138" y="2538413"/>
-                <a:ext cx="2255838" cy="2427287"/>
-              </a:xfrm>
-              <a:custGeom>
-                <a:avLst/>
-                <a:gdLst>
-                  <a:gd name="T0" fmla="*/ 604 w 4263"/>
-                  <a:gd name="T1" fmla="*/ 2155 h 4586"/>
-                  <a:gd name="T2" fmla="*/ 183 w 4263"/>
-                  <a:gd name="T3" fmla="*/ 2535 h 4586"/>
-                  <a:gd name="T4" fmla="*/ 242 w 4263"/>
-                  <a:gd name="T5" fmla="*/ 3430 h 4586"/>
-                  <a:gd name="T6" fmla="*/ 416 w 4263"/>
-                  <a:gd name="T7" fmla="*/ 3706 h 4586"/>
-                  <a:gd name="T8" fmla="*/ 519 w 4263"/>
-                  <a:gd name="T9" fmla="*/ 3009 h 4586"/>
-                  <a:gd name="T10" fmla="*/ 752 w 4263"/>
-                  <a:gd name="T11" fmla="*/ 2564 h 4586"/>
-                  <a:gd name="T12" fmla="*/ 838 w 4263"/>
-                  <a:gd name="T13" fmla="*/ 2217 h 4586"/>
-                  <a:gd name="T14" fmla="*/ 2766 w 4263"/>
-                  <a:gd name="T15" fmla="*/ 2072 h 4586"/>
-                  <a:gd name="T16" fmla="*/ 2259 w 4263"/>
-                  <a:gd name="T17" fmla="*/ 2089 h 4586"/>
-                  <a:gd name="T18" fmla="*/ 1225 w 4263"/>
-                  <a:gd name="T19" fmla="*/ 2302 h 4586"/>
-                  <a:gd name="T20" fmla="*/ 954 w 4263"/>
-                  <a:gd name="T21" fmla="*/ 2786 h 4586"/>
-                  <a:gd name="T22" fmla="*/ 1014 w 4263"/>
-                  <a:gd name="T23" fmla="*/ 3552 h 4586"/>
-                  <a:gd name="T24" fmla="*/ 1227 w 4263"/>
-                  <a:gd name="T25" fmla="*/ 4363 h 4586"/>
-                  <a:gd name="T26" fmla="*/ 1409 w 4263"/>
-                  <a:gd name="T27" fmla="*/ 3336 h 4586"/>
-                  <a:gd name="T28" fmla="*/ 1713 w 4263"/>
-                  <a:gd name="T29" fmla="*/ 3069 h 4586"/>
-                  <a:gd name="T30" fmla="*/ 1831 w 4263"/>
-                  <a:gd name="T31" fmla="*/ 2822 h 4586"/>
-                  <a:gd name="T32" fmla="*/ 2830 w 4263"/>
-                  <a:gd name="T33" fmla="*/ 3364 h 4586"/>
-                  <a:gd name="T34" fmla="*/ 3141 w 4263"/>
-                  <a:gd name="T35" fmla="*/ 3402 h 4586"/>
-                  <a:gd name="T36" fmla="*/ 3379 w 4263"/>
-                  <a:gd name="T37" fmla="*/ 1883 h 4586"/>
-                  <a:gd name="T38" fmla="*/ 3337 w 4263"/>
-                  <a:gd name="T39" fmla="*/ 1526 h 4586"/>
-                  <a:gd name="T40" fmla="*/ 3565 w 4263"/>
-                  <a:gd name="T41" fmla="*/ 1739 h 4586"/>
-                  <a:gd name="T42" fmla="*/ 3533 w 4263"/>
-                  <a:gd name="T43" fmla="*/ 1474 h 4586"/>
-                  <a:gd name="T44" fmla="*/ 2900 w 4263"/>
-                  <a:gd name="T45" fmla="*/ 1194 h 4586"/>
-                  <a:gd name="T46" fmla="*/ 3005 w 4263"/>
-                  <a:gd name="T47" fmla="*/ 853 h 4586"/>
-                  <a:gd name="T48" fmla="*/ 3131 w 4263"/>
-                  <a:gd name="T49" fmla="*/ 1391 h 4586"/>
-                  <a:gd name="T50" fmla="*/ 3595 w 4263"/>
-                  <a:gd name="T51" fmla="*/ 1408 h 4586"/>
-                  <a:gd name="T52" fmla="*/ 3940 w 4263"/>
-                  <a:gd name="T53" fmla="*/ 1164 h 4586"/>
-                  <a:gd name="T54" fmla="*/ 3939 w 4263"/>
-                  <a:gd name="T55" fmla="*/ 760 h 4586"/>
-                  <a:gd name="T56" fmla="*/ 3483 w 4263"/>
-                  <a:gd name="T57" fmla="*/ 1392 h 4586"/>
-                  <a:gd name="T58" fmla="*/ 3989 w 4263"/>
-                  <a:gd name="T59" fmla="*/ 587 h 4586"/>
-                  <a:gd name="T60" fmla="*/ 2873 w 4263"/>
-                  <a:gd name="T61" fmla="*/ 546 h 4586"/>
-                  <a:gd name="T62" fmla="*/ 2972 w 4263"/>
-                  <a:gd name="T63" fmla="*/ 532 h 4586"/>
-                  <a:gd name="T64" fmla="*/ 3312 w 4263"/>
-                  <a:gd name="T65" fmla="*/ 343 h 4586"/>
-                  <a:gd name="T66" fmla="*/ 3699 w 4263"/>
-                  <a:gd name="T67" fmla="*/ 488 h 4586"/>
-                  <a:gd name="T68" fmla="*/ 3645 w 4263"/>
-                  <a:gd name="T69" fmla="*/ 231 h 4586"/>
-                  <a:gd name="T70" fmla="*/ 3554 w 4263"/>
-                  <a:gd name="T71" fmla="*/ 47 h 4586"/>
-                  <a:gd name="T72" fmla="*/ 3830 w 4263"/>
-                  <a:gd name="T73" fmla="*/ 368 h 4586"/>
-                  <a:gd name="T74" fmla="*/ 4124 w 4263"/>
-                  <a:gd name="T75" fmla="*/ 219 h 4586"/>
-                  <a:gd name="T76" fmla="*/ 4249 w 4263"/>
-                  <a:gd name="T77" fmla="*/ 642 h 4586"/>
-                  <a:gd name="T78" fmla="*/ 4070 w 4263"/>
-                  <a:gd name="T79" fmla="*/ 1242 h 4586"/>
-                  <a:gd name="T80" fmla="*/ 3471 w 4263"/>
-                  <a:gd name="T81" fmla="*/ 4518 h 4586"/>
-                  <a:gd name="T82" fmla="*/ 2695 w 4263"/>
-                  <a:gd name="T83" fmla="*/ 4513 h 4586"/>
-                  <a:gd name="T84" fmla="*/ 1884 w 4263"/>
-                  <a:gd name="T85" fmla="*/ 3044 h 4586"/>
-                  <a:gd name="T86" fmla="*/ 1199 w 4263"/>
-                  <a:gd name="T87" fmla="*/ 4586 h 4586"/>
-                  <a:gd name="T88" fmla="*/ 1064 w 4263"/>
-                  <a:gd name="T89" fmla="*/ 4344 h 4586"/>
-                  <a:gd name="T90" fmla="*/ 866 w 4263"/>
-                  <a:gd name="T91" fmla="*/ 3572 h 4586"/>
-                  <a:gd name="T92" fmla="*/ 768 w 4263"/>
-                  <a:gd name="T93" fmla="*/ 2719 h 4586"/>
-                  <a:gd name="T94" fmla="*/ 661 w 4263"/>
-                  <a:gd name="T95" fmla="*/ 3175 h 4586"/>
-                  <a:gd name="T96" fmla="*/ 472 w 4263"/>
-                  <a:gd name="T97" fmla="*/ 3849 h 4586"/>
-                  <a:gd name="T98" fmla="*/ 101 w 4263"/>
-                  <a:gd name="T99" fmla="*/ 3916 h 4586"/>
-                  <a:gd name="T100" fmla="*/ 78 w 4263"/>
-                  <a:gd name="T101" fmla="*/ 3773 h 4586"/>
-                  <a:gd name="T102" fmla="*/ 99 w 4263"/>
-                  <a:gd name="T103" fmla="*/ 3473 h 4586"/>
-                  <a:gd name="T104" fmla="*/ 23 w 4263"/>
-                  <a:gd name="T105" fmla="*/ 2557 h 4586"/>
-                  <a:gd name="T106" fmla="*/ 441 w 4263"/>
-                  <a:gd name="T107" fmla="*/ 2046 h 4586"/>
-                  <a:gd name="T108" fmla="*/ 883 w 4263"/>
-                  <a:gd name="T109" fmla="*/ 2070 h 4586"/>
-                  <a:gd name="T110" fmla="*/ 1416 w 4263"/>
-                  <a:gd name="T111" fmla="*/ 2085 h 4586"/>
-                  <a:gd name="T112" fmla="*/ 2489 w 4263"/>
-                  <a:gd name="T113" fmla="*/ 1664 h 4586"/>
-                  <a:gd name="T114" fmla="*/ 2728 w 4263"/>
-                  <a:gd name="T115" fmla="*/ 606 h 4586"/>
-                  <a:gd name="T116" fmla="*/ 2880 w 4263"/>
-                  <a:gd name="T117" fmla="*/ 231 h 4586"/>
-                  <a:gd name="T118" fmla="*/ 3221 w 4263"/>
-                  <a:gd name="T119" fmla="*/ 300 h 4586"/>
-                  <a:gd name="T120" fmla="*/ 3299 w 4263"/>
-                  <a:gd name="T121" fmla="*/ 86 h 4586"/>
-                </a:gdLst>
-                <a:ahLst/>
-                <a:cxnLst>
-                  <a:cxn ang="0">
-                    <a:pos x="T0" y="T1"/>
-                  </a:cxn>
-                  <a:cxn ang="0">
-                    <a:pos x="T2" y="T3"/>
-                  </a:cxn>
-                  <a:cxn ang="0">
-                    <a:pos x="T4" y="T5"/>
-                  </a:cxn>
-                  <a:cxn ang="0">
-                    <a:pos x="T6" y="T7"/>
-                  </a:cxn>
-                  <a:cxn ang="0">
-                    <a:pos x="T8" y="T9"/>
-                  </a:cxn>
-                  <a:cxn ang="0">
-                    <a:pos x="T10" y="T11"/>
-                  </a:cxn>
-                  <a:cxn ang="0">
-                    <a:pos x="T12" y="T13"/>
-                  </a:cxn>
-                  <a:cxn ang="0">
-                    <a:pos x="T14" y="T15"/>
-                  </a:cxn>
-                  <a:cxn ang="0">
-                    <a:pos x="T16" y="T17"/>
-                  </a:cxn>
-                  <a:cxn ang="0">
-                    <a:pos x="T18" y="T19"/>
-                  </a:cxn>
-                  <a:cxn ang="0">
-                    <a:pos x="T20" y="T21"/>
-                  </a:cxn>
-                  <a:cxn ang="0">
-                    <a:pos x="T22" y="T23"/>
-                  </a:cxn>
-                  <a:cxn ang="0">
-                    <a:pos x="T24" y="T25"/>
-                  </a:cxn>
-                  <a:cxn ang="0">
-                    <a:pos x="T26" y="T27"/>
-                  </a:cxn>
-                  <a:cxn ang="0">
-                    <a:pos x="T28" y="T29"/>
-                  </a:cxn>
-                  <a:cxn ang="0">
-                    <a:pos x="T30" y="T31"/>
-                  </a:cxn>
-                  <a:cxn ang="0">
-                    <a:pos x="T32" y="T33"/>
-                  </a:cxn>
-                  <a:cxn ang="0">
-                    <a:pos x="T34" y="T35"/>
-                  </a:cxn>
-                  <a:cxn ang="0">
-                    <a:pos x="T36" y="T37"/>
-                  </a:cxn>
-                  <a:cxn ang="0">
-                    <a:pos x="T38" y="T39"/>
-                  </a:cxn>
-                  <a:cxn ang="0">
-                    <a:pos x="T40" y="T41"/>
-                  </a:cxn>
-                  <a:cxn ang="0">
-                    <a:pos x="T42" y="T43"/>
-                  </a:cxn>
-                  <a:cxn ang="0">
-                    <a:pos x="T44" y="T45"/>
-                  </a:cxn>
-                  <a:cxn ang="0">
-                    <a:pos x="T46" y="T47"/>
-                  </a:cxn>
-                  <a:cxn ang="0">
-                    <a:pos x="T48" y="T49"/>
-                  </a:cxn>
-                  <a:cxn ang="0">
-                    <a:pos x="T50" y="T51"/>
-                  </a:cxn>
-                  <a:cxn ang="0">
-                    <a:pos x="T52" y="T53"/>
-                  </a:cxn>
-                  <a:cxn ang="0">
-                    <a:pos x="T54" y="T55"/>
-                  </a:cxn>
-                  <a:cxn ang="0">
-                    <a:pos x="T56" y="T57"/>
-                  </a:cxn>
-                  <a:cxn ang="0">
-                    <a:pos x="T58" y="T59"/>
-                  </a:cxn>
-                  <a:cxn ang="0">
-                    <a:pos x="T60" y="T61"/>
-                  </a:cxn>
-                  <a:cxn ang="0">
-                    <a:pos x="T62" y="T63"/>
-                  </a:cxn>
-                  <a:cxn ang="0">
-                    <a:pos x="T64" y="T65"/>
-                  </a:cxn>
-                  <a:cxn ang="0">
-                    <a:pos x="T66" y="T67"/>
-                  </a:cxn>
-                  <a:cxn ang="0">
-                    <a:pos x="T68" y="T69"/>
-                  </a:cxn>
-                  <a:cxn ang="0">
-                    <a:pos x="T70" y="T71"/>
-                  </a:cxn>
-                  <a:cxn ang="0">
-                    <a:pos x="T72" y="T73"/>
-                  </a:cxn>
-                  <a:cxn ang="0">
-                    <a:pos x="T74" y="T75"/>
-                  </a:cxn>
-                  <a:cxn ang="0">
-                    <a:pos x="T76" y="T77"/>
-                  </a:cxn>
-                  <a:cxn ang="0">
-                    <a:pos x="T78" y="T79"/>
-                  </a:cxn>
-                  <a:cxn ang="0">
-                    <a:pos x="T80" y="T81"/>
-                  </a:cxn>
-                  <a:cxn ang="0">
-                    <a:pos x="T82" y="T83"/>
-                  </a:cxn>
-                  <a:cxn ang="0">
-                    <a:pos x="T84" y="T85"/>
-                  </a:cxn>
-                  <a:cxn ang="0">
-                    <a:pos x="T86" y="T87"/>
-                  </a:cxn>
-                  <a:cxn ang="0">
-                    <a:pos x="T88" y="T89"/>
-                  </a:cxn>
-                  <a:cxn ang="0">
-                    <a:pos x="T90" y="T91"/>
-                  </a:cxn>
-                  <a:cxn ang="0">
-                    <a:pos x="T92" y="T93"/>
-                  </a:cxn>
-                  <a:cxn ang="0">
-                    <a:pos x="T94" y="T95"/>
-                  </a:cxn>
-                  <a:cxn ang="0">
-                    <a:pos x="T96" y="T97"/>
-                  </a:cxn>
-                  <a:cxn ang="0">
-                    <a:pos x="T98" y="T99"/>
-                  </a:cxn>
-                  <a:cxn ang="0">
-                    <a:pos x="T100" y="T101"/>
-                  </a:cxn>
-                  <a:cxn ang="0">
-                    <a:pos x="T102" y="T103"/>
-                  </a:cxn>
-                  <a:cxn ang="0">
-                    <a:pos x="T104" y="T105"/>
-                  </a:cxn>
-                  <a:cxn ang="0">
-                    <a:pos x="T106" y="T107"/>
-                  </a:cxn>
-                  <a:cxn ang="0">
-                    <a:pos x="T108" y="T109"/>
-                  </a:cxn>
-                  <a:cxn ang="0">
-                    <a:pos x="T110" y="T111"/>
-                  </a:cxn>
-                  <a:cxn ang="0">
-                    <a:pos x="T112" y="T113"/>
-                  </a:cxn>
-                  <a:cxn ang="0">
-                    <a:pos x="T114" y="T115"/>
-                  </a:cxn>
-                  <a:cxn ang="0">
-                    <a:pos x="T116" y="T117"/>
-                  </a:cxn>
-                  <a:cxn ang="0">
-                    <a:pos x="T118" y="T119"/>
-                  </a:cxn>
-                  <a:cxn ang="0">
-                    <a:pos x="T120" y="T121"/>
-                  </a:cxn>
-                </a:cxnLst>
-                <a:rect l="0" t="0" r="r" b="b"/>
-                <a:pathLst>
-                  <a:path w="4263" h="4586">
-                    <a:moveTo>
-                      <a:pt x="1638" y="3368"/>
-                    </a:moveTo>
-                    <a:lnTo>
-                      <a:pt x="1603" y="3394"/>
-                    </a:lnTo>
-                    <a:lnTo>
-                      <a:pt x="1568" y="3416"/>
-                    </a:lnTo>
-                    <a:lnTo>
-                      <a:pt x="1536" y="3437"/>
-                    </a:lnTo>
-                    <a:lnTo>
-                      <a:pt x="1507" y="3452"/>
-                    </a:lnTo>
-                    <a:lnTo>
-                      <a:pt x="1483" y="3466"/>
-                    </a:lnTo>
-                    <a:lnTo>
-                      <a:pt x="1483" y="4439"/>
-                    </a:lnTo>
-                    <a:lnTo>
-                      <a:pt x="1569" y="4439"/>
-                    </a:lnTo>
-                    <a:lnTo>
-                      <a:pt x="1638" y="3368"/>
-                    </a:lnTo>
-                    <a:close/>
-                    <a:moveTo>
-                      <a:pt x="650" y="2153"/>
-                    </a:moveTo>
-                    <a:lnTo>
-                      <a:pt x="604" y="2155"/>
-                    </a:lnTo>
-                    <a:lnTo>
-                      <a:pt x="565" y="2162"/>
-                    </a:lnTo>
-                    <a:lnTo>
-                      <a:pt x="523" y="2174"/>
-                    </a:lnTo>
-                    <a:lnTo>
-                      <a:pt x="480" y="2191"/>
-                    </a:lnTo>
-                    <a:lnTo>
-                      <a:pt x="434" y="2214"/>
-                    </a:lnTo>
-                    <a:lnTo>
-                      <a:pt x="390" y="2242"/>
-                    </a:lnTo>
-                    <a:lnTo>
-                      <a:pt x="346" y="2277"/>
-                    </a:lnTo>
-                    <a:lnTo>
-                      <a:pt x="305" y="2318"/>
-                    </a:lnTo>
-                    <a:lnTo>
-                      <a:pt x="267" y="2365"/>
-                    </a:lnTo>
-                    <a:lnTo>
-                      <a:pt x="234" y="2418"/>
-                    </a:lnTo>
-                    <a:lnTo>
-                      <a:pt x="206" y="2475"/>
-                    </a:lnTo>
-                    <a:lnTo>
-                      <a:pt x="183" y="2535"/>
-                    </a:lnTo>
-                    <a:lnTo>
-                      <a:pt x="167" y="2601"/>
-                    </a:lnTo>
-                    <a:lnTo>
-                      <a:pt x="156" y="2669"/>
-                    </a:lnTo>
-                    <a:lnTo>
-                      <a:pt x="149" y="2741"/>
-                    </a:lnTo>
-                    <a:lnTo>
-                      <a:pt x="149" y="2819"/>
-                    </a:lnTo>
-                    <a:lnTo>
-                      <a:pt x="154" y="2900"/>
-                    </a:lnTo>
-                    <a:lnTo>
-                      <a:pt x="165" y="2984"/>
-                    </a:lnTo>
-                    <a:lnTo>
-                      <a:pt x="181" y="3073"/>
-                    </a:lnTo>
-                    <a:lnTo>
-                      <a:pt x="202" y="3172"/>
-                    </a:lnTo>
-                    <a:lnTo>
-                      <a:pt x="218" y="3265"/>
-                    </a:lnTo>
-                    <a:lnTo>
-                      <a:pt x="232" y="3350"/>
-                    </a:lnTo>
-                    <a:lnTo>
-                      <a:pt x="242" y="3430"/>
-                    </a:lnTo>
-                    <a:lnTo>
-                      <a:pt x="250" y="3502"/>
-                    </a:lnTo>
-                    <a:lnTo>
-                      <a:pt x="255" y="3568"/>
-                    </a:lnTo>
-                    <a:lnTo>
-                      <a:pt x="255" y="3628"/>
-                    </a:lnTo>
-                    <a:lnTo>
-                      <a:pt x="253" y="3681"/>
-                    </a:lnTo>
-                    <a:lnTo>
-                      <a:pt x="248" y="3729"/>
-                    </a:lnTo>
-                    <a:lnTo>
-                      <a:pt x="239" y="3771"/>
-                    </a:lnTo>
-                    <a:lnTo>
-                      <a:pt x="274" y="3767"/>
-                    </a:lnTo>
-                    <a:lnTo>
-                      <a:pt x="312" y="3759"/>
-                    </a:lnTo>
-                    <a:lnTo>
-                      <a:pt x="348" y="3746"/>
-                    </a:lnTo>
-                    <a:lnTo>
-                      <a:pt x="384" y="3729"/>
-                    </a:lnTo>
-                    <a:lnTo>
-                      <a:pt x="416" y="3706"/>
-                    </a:lnTo>
-                    <a:lnTo>
-                      <a:pt x="444" y="3678"/>
-                    </a:lnTo>
-                    <a:lnTo>
-                      <a:pt x="468" y="3644"/>
-                    </a:lnTo>
-                    <a:lnTo>
-                      <a:pt x="486" y="3607"/>
-                    </a:lnTo>
-                    <a:lnTo>
-                      <a:pt x="498" y="3564"/>
-                    </a:lnTo>
-                    <a:lnTo>
-                      <a:pt x="507" y="3515"/>
-                    </a:lnTo>
-                    <a:lnTo>
-                      <a:pt x="509" y="3462"/>
-                    </a:lnTo>
-                    <a:lnTo>
-                      <a:pt x="509" y="3353"/>
-                    </a:lnTo>
-                    <a:lnTo>
-                      <a:pt x="511" y="3254"/>
-                    </a:lnTo>
-                    <a:lnTo>
-                      <a:pt x="512" y="3164"/>
-                    </a:lnTo>
-                    <a:lnTo>
-                      <a:pt x="515" y="3083"/>
-                    </a:lnTo>
-                    <a:lnTo>
-                      <a:pt x="519" y="3009"/>
-                    </a:lnTo>
-                    <a:lnTo>
-                      <a:pt x="525" y="2943"/>
-                    </a:lnTo>
-                    <a:lnTo>
-                      <a:pt x="532" y="2885"/>
-                    </a:lnTo>
-                    <a:lnTo>
-                      <a:pt x="541" y="2832"/>
-                    </a:lnTo>
-                    <a:lnTo>
-                      <a:pt x="554" y="2783"/>
-                    </a:lnTo>
-                    <a:lnTo>
-                      <a:pt x="571" y="2737"/>
-                    </a:lnTo>
-                    <a:lnTo>
-                      <a:pt x="590" y="2697"/>
-                    </a:lnTo>
-                    <a:lnTo>
-                      <a:pt x="614" y="2660"/>
-                    </a:lnTo>
-                    <a:lnTo>
-                      <a:pt x="642" y="2630"/>
-                    </a:lnTo>
-                    <a:lnTo>
-                      <a:pt x="674" y="2603"/>
-                    </a:lnTo>
-                    <a:lnTo>
-                      <a:pt x="710" y="2582"/>
-                    </a:lnTo>
-                    <a:lnTo>
-                      <a:pt x="752" y="2564"/>
-                    </a:lnTo>
-                    <a:lnTo>
-                      <a:pt x="798" y="2552"/>
-                    </a:lnTo>
-                    <a:lnTo>
-                      <a:pt x="849" y="2542"/>
-                    </a:lnTo>
-                    <a:lnTo>
-                      <a:pt x="872" y="2481"/>
-                    </a:lnTo>
-                    <a:lnTo>
-                      <a:pt x="895" y="2424"/>
-                    </a:lnTo>
-                    <a:lnTo>
-                      <a:pt x="924" y="2372"/>
-                    </a:lnTo>
-                    <a:lnTo>
-                      <a:pt x="957" y="2325"/>
-                    </a:lnTo>
-                    <a:lnTo>
-                      <a:pt x="940" y="2305"/>
-                    </a:lnTo>
-                    <a:lnTo>
-                      <a:pt x="919" y="2284"/>
-                    </a:lnTo>
-                    <a:lnTo>
-                      <a:pt x="895" y="2262"/>
-                    </a:lnTo>
-                    <a:lnTo>
-                      <a:pt x="869" y="2238"/>
-                    </a:lnTo>
-                    <a:lnTo>
-                      <a:pt x="838" y="2217"/>
-                    </a:lnTo>
-                    <a:lnTo>
-                      <a:pt x="806" y="2198"/>
-                    </a:lnTo>
-                    <a:lnTo>
-                      <a:pt x="771" y="2180"/>
-                    </a:lnTo>
-                    <a:lnTo>
-                      <a:pt x="732" y="2166"/>
-                    </a:lnTo>
-                    <a:lnTo>
-                      <a:pt x="692" y="2157"/>
-                    </a:lnTo>
-                    <a:lnTo>
-                      <a:pt x="650" y="2153"/>
-                    </a:lnTo>
-                    <a:close/>
-                    <a:moveTo>
-                      <a:pt x="3068" y="1586"/>
-                    </a:moveTo>
-                    <a:lnTo>
-                      <a:pt x="2836" y="2033"/>
-                    </a:lnTo>
-                    <a:lnTo>
-                      <a:pt x="2823" y="2050"/>
-                    </a:lnTo>
-                    <a:lnTo>
-                      <a:pt x="2806" y="2063"/>
-                    </a:lnTo>
-                    <a:lnTo>
-                      <a:pt x="2787" y="2071"/>
-                    </a:lnTo>
-                    <a:lnTo>
-                      <a:pt x="2766" y="2072"/>
-                    </a:lnTo>
-                    <a:lnTo>
-                      <a:pt x="2760" y="2072"/>
-                    </a:lnTo>
-                    <a:lnTo>
-                      <a:pt x="2744" y="2072"/>
-                    </a:lnTo>
-                    <a:lnTo>
-                      <a:pt x="2720" y="2071"/>
-                    </a:lnTo>
-                    <a:lnTo>
-                      <a:pt x="2686" y="2071"/>
-                    </a:lnTo>
-                    <a:lnTo>
-                      <a:pt x="2645" y="2071"/>
-                    </a:lnTo>
-                    <a:lnTo>
-                      <a:pt x="2596" y="2072"/>
-                    </a:lnTo>
-                    <a:lnTo>
-                      <a:pt x="2540" y="2072"/>
-                    </a:lnTo>
-                    <a:lnTo>
-                      <a:pt x="2478" y="2075"/>
-                    </a:lnTo>
-                    <a:lnTo>
-                      <a:pt x="2411" y="2078"/>
-                    </a:lnTo>
-                    <a:lnTo>
-                      <a:pt x="2337" y="2083"/>
-                    </a:lnTo>
-                    <a:lnTo>
-                      <a:pt x="2259" y="2089"/>
-                    </a:lnTo>
-                    <a:lnTo>
-                      <a:pt x="2175" y="2096"/>
-                    </a:lnTo>
-                    <a:lnTo>
-                      <a:pt x="2089" y="2106"/>
-                    </a:lnTo>
-                    <a:lnTo>
-                      <a:pt x="2000" y="2117"/>
-                    </a:lnTo>
-                    <a:lnTo>
-                      <a:pt x="1906" y="2131"/>
-                    </a:lnTo>
-                    <a:lnTo>
-                      <a:pt x="1812" y="2146"/>
-                    </a:lnTo>
-                    <a:lnTo>
-                      <a:pt x="1716" y="2166"/>
-                    </a:lnTo>
-                    <a:lnTo>
-                      <a:pt x="1617" y="2187"/>
-                    </a:lnTo>
-                    <a:lnTo>
-                      <a:pt x="1519" y="2210"/>
-                    </a:lnTo>
-                    <a:lnTo>
-                      <a:pt x="1420" y="2238"/>
-                    </a:lnTo>
-                    <a:lnTo>
-                      <a:pt x="1321" y="2269"/>
-                    </a:lnTo>
-                    <a:lnTo>
-                      <a:pt x="1225" y="2302"/>
-                    </a:lnTo>
-                    <a:lnTo>
-                      <a:pt x="1179" y="2323"/>
-                    </a:lnTo>
-                    <a:lnTo>
-                      <a:pt x="1139" y="2350"/>
-                    </a:lnTo>
-                    <a:lnTo>
-                      <a:pt x="1104" y="2382"/>
-                    </a:lnTo>
-                    <a:lnTo>
-                      <a:pt x="1072" y="2418"/>
-                    </a:lnTo>
-                    <a:lnTo>
-                      <a:pt x="1044" y="2460"/>
-                    </a:lnTo>
-                    <a:lnTo>
-                      <a:pt x="1021" y="2506"/>
-                    </a:lnTo>
-                    <a:lnTo>
-                      <a:pt x="1001" y="2556"/>
-                    </a:lnTo>
-                    <a:lnTo>
-                      <a:pt x="984" y="2609"/>
-                    </a:lnTo>
-                    <a:lnTo>
-                      <a:pt x="972" y="2665"/>
-                    </a:lnTo>
-                    <a:lnTo>
-                      <a:pt x="961" y="2725"/>
-                    </a:lnTo>
-                    <a:lnTo>
-                      <a:pt x="954" y="2786"/>
-                    </a:lnTo>
-                    <a:lnTo>
-                      <a:pt x="950" y="2850"/>
-                    </a:lnTo>
-                    <a:lnTo>
-                      <a:pt x="947" y="2915"/>
-                    </a:lnTo>
-                    <a:lnTo>
-                      <a:pt x="948" y="2984"/>
-                    </a:lnTo>
-                    <a:lnTo>
-                      <a:pt x="950" y="3051"/>
-                    </a:lnTo>
-                    <a:lnTo>
-                      <a:pt x="954" y="3120"/>
-                    </a:lnTo>
-                    <a:lnTo>
-                      <a:pt x="959" y="3189"/>
-                    </a:lnTo>
-                    <a:lnTo>
-                      <a:pt x="968" y="3258"/>
-                    </a:lnTo>
-                    <a:lnTo>
-                      <a:pt x="976" y="3327"/>
-                    </a:lnTo>
-                    <a:lnTo>
-                      <a:pt x="986" y="3395"/>
-                    </a:lnTo>
-                    <a:lnTo>
-                      <a:pt x="997" y="3460"/>
-                    </a:lnTo>
-                    <a:lnTo>
-                      <a:pt x="1014" y="3552"/>
-                    </a:lnTo>
-                    <a:lnTo>
-                      <a:pt x="1032" y="3643"/>
-                    </a:lnTo>
-                    <a:lnTo>
-                      <a:pt x="1051" y="3731"/>
-                    </a:lnTo>
-                    <a:lnTo>
-                      <a:pt x="1071" y="3817"/>
-                    </a:lnTo>
-                    <a:lnTo>
-                      <a:pt x="1092" y="3901"/>
-                    </a:lnTo>
-                    <a:lnTo>
-                      <a:pt x="1113" y="3982"/>
-                    </a:lnTo>
-                    <a:lnTo>
-                      <a:pt x="1133" y="4058"/>
-                    </a:lnTo>
-                    <a:lnTo>
-                      <a:pt x="1154" y="4131"/>
-                    </a:lnTo>
-                    <a:lnTo>
-                      <a:pt x="1174" y="4198"/>
-                    </a:lnTo>
-                    <a:lnTo>
-                      <a:pt x="1193" y="4259"/>
-                    </a:lnTo>
-                    <a:lnTo>
-                      <a:pt x="1210" y="4315"/>
-                    </a:lnTo>
-                    <a:lnTo>
-                      <a:pt x="1227" y="4363"/>
-                    </a:lnTo>
-                    <a:lnTo>
-                      <a:pt x="1241" y="4404"/>
-                    </a:lnTo>
-                    <a:lnTo>
-                      <a:pt x="1252" y="4439"/>
-                    </a:lnTo>
-                    <a:lnTo>
-                      <a:pt x="1334" y="4439"/>
-                    </a:lnTo>
-                    <a:lnTo>
-                      <a:pt x="1334" y="3419"/>
-                    </a:lnTo>
-                    <a:lnTo>
-                      <a:pt x="1337" y="3398"/>
-                    </a:lnTo>
-                    <a:lnTo>
-                      <a:pt x="1347" y="3378"/>
-                    </a:lnTo>
-                    <a:lnTo>
-                      <a:pt x="1360" y="3363"/>
-                    </a:lnTo>
-                    <a:lnTo>
-                      <a:pt x="1379" y="3352"/>
-                    </a:lnTo>
-                    <a:lnTo>
-                      <a:pt x="1383" y="3349"/>
-                    </a:lnTo>
-                    <a:lnTo>
-                      <a:pt x="1394" y="3345"/>
-                    </a:lnTo>
-                    <a:lnTo>
-                      <a:pt x="1409" y="3336"/>
-                    </a:lnTo>
-                    <a:lnTo>
-                      <a:pt x="1430" y="3325"/>
-                    </a:lnTo>
-                    <a:lnTo>
-                      <a:pt x="1454" y="3311"/>
-                    </a:lnTo>
-                    <a:lnTo>
-                      <a:pt x="1482" y="3296"/>
-                    </a:lnTo>
-                    <a:lnTo>
-                      <a:pt x="1511" y="3276"/>
-                    </a:lnTo>
-                    <a:lnTo>
-                      <a:pt x="1542" y="3254"/>
-                    </a:lnTo>
-                    <a:lnTo>
-                      <a:pt x="1574" y="3229"/>
-                    </a:lnTo>
-                    <a:lnTo>
-                      <a:pt x="1606" y="3203"/>
-                    </a:lnTo>
-                    <a:lnTo>
-                      <a:pt x="1636" y="3172"/>
-                    </a:lnTo>
-                    <a:lnTo>
-                      <a:pt x="1664" y="3140"/>
-                    </a:lnTo>
-                    <a:lnTo>
-                      <a:pt x="1691" y="3106"/>
-                    </a:lnTo>
-                    <a:lnTo>
-                      <a:pt x="1713" y="3069"/>
-                    </a:lnTo>
-                    <a:lnTo>
-                      <a:pt x="1731" y="3030"/>
-                    </a:lnTo>
-                    <a:lnTo>
-                      <a:pt x="1745" y="2989"/>
-                    </a:lnTo>
-                    <a:lnTo>
-                      <a:pt x="1752" y="2946"/>
-                    </a:lnTo>
-                    <a:lnTo>
-                      <a:pt x="1753" y="2900"/>
-                    </a:lnTo>
-                    <a:lnTo>
-                      <a:pt x="1755" y="2882"/>
-                    </a:lnTo>
-                    <a:lnTo>
-                      <a:pt x="1759" y="2865"/>
-                    </a:lnTo>
-                    <a:lnTo>
-                      <a:pt x="1769" y="2850"/>
-                    </a:lnTo>
-                    <a:lnTo>
-                      <a:pt x="1781" y="2837"/>
-                    </a:lnTo>
-                    <a:lnTo>
-                      <a:pt x="1796" y="2828"/>
-                    </a:lnTo>
-                    <a:lnTo>
-                      <a:pt x="1815" y="2822"/>
-                    </a:lnTo>
-                    <a:lnTo>
-                      <a:pt x="1831" y="2822"/>
-                    </a:lnTo>
-                    <a:lnTo>
-                      <a:pt x="1849" y="2825"/>
-                    </a:lnTo>
-                    <a:lnTo>
-                      <a:pt x="2546" y="3051"/>
-                    </a:lnTo>
-                    <a:lnTo>
-                      <a:pt x="2550" y="3051"/>
-                    </a:lnTo>
-                    <a:lnTo>
-                      <a:pt x="2600" y="3074"/>
-                    </a:lnTo>
-                    <a:lnTo>
-                      <a:pt x="2647" y="3102"/>
-                    </a:lnTo>
-                    <a:lnTo>
-                      <a:pt x="2691" y="3136"/>
-                    </a:lnTo>
-                    <a:lnTo>
-                      <a:pt x="2728" y="3175"/>
-                    </a:lnTo>
-                    <a:lnTo>
-                      <a:pt x="2762" y="3217"/>
-                    </a:lnTo>
-                    <a:lnTo>
-                      <a:pt x="2791" y="3263"/>
-                    </a:lnTo>
-                    <a:lnTo>
-                      <a:pt x="2813" y="3313"/>
-                    </a:lnTo>
-                    <a:lnTo>
-                      <a:pt x="2830" y="3364"/>
-                    </a:lnTo>
-                    <a:lnTo>
-                      <a:pt x="2840" y="3419"/>
-                    </a:lnTo>
-                    <a:lnTo>
-                      <a:pt x="2844" y="3474"/>
-                    </a:lnTo>
-                    <a:lnTo>
-                      <a:pt x="2844" y="4439"/>
-                    </a:lnTo>
-                    <a:lnTo>
-                      <a:pt x="3011" y="4439"/>
-                    </a:lnTo>
-                    <a:lnTo>
-                      <a:pt x="3040" y="3470"/>
-                    </a:lnTo>
-                    <a:lnTo>
-                      <a:pt x="3044" y="3446"/>
-                    </a:lnTo>
-                    <a:lnTo>
-                      <a:pt x="3056" y="3427"/>
-                    </a:lnTo>
-                    <a:lnTo>
-                      <a:pt x="3072" y="3410"/>
-                    </a:lnTo>
-                    <a:lnTo>
-                      <a:pt x="3093" y="3400"/>
-                    </a:lnTo>
-                    <a:lnTo>
-                      <a:pt x="3117" y="3398"/>
-                    </a:lnTo>
-                    <a:lnTo>
-                      <a:pt x="3141" y="3402"/>
-                    </a:lnTo>
-                    <a:lnTo>
-                      <a:pt x="3160" y="3413"/>
-                    </a:lnTo>
-                    <a:lnTo>
-                      <a:pt x="3175" y="3430"/>
-                    </a:lnTo>
-                    <a:lnTo>
-                      <a:pt x="3185" y="3451"/>
-                    </a:lnTo>
-                    <a:lnTo>
-                      <a:pt x="3189" y="3474"/>
-                    </a:lnTo>
-                    <a:lnTo>
-                      <a:pt x="3160" y="4439"/>
-                    </a:lnTo>
-                    <a:lnTo>
-                      <a:pt x="3329" y="4439"/>
-                    </a:lnTo>
-                    <a:lnTo>
-                      <a:pt x="3551" y="1898"/>
-                    </a:lnTo>
-                    <a:lnTo>
-                      <a:pt x="3521" y="1902"/>
-                    </a:lnTo>
-                    <a:lnTo>
-                      <a:pt x="3490" y="1904"/>
-                    </a:lnTo>
-                    <a:lnTo>
-                      <a:pt x="3434" y="1898"/>
-                    </a:lnTo>
-                    <a:lnTo>
-                      <a:pt x="3379" y="1883"/>
-                    </a:lnTo>
-                    <a:lnTo>
-                      <a:pt x="3324" y="1858"/>
-                    </a:lnTo>
-                    <a:lnTo>
-                      <a:pt x="3270" y="1821"/>
-                    </a:lnTo>
-                    <a:lnTo>
-                      <a:pt x="3217" y="1777"/>
-                    </a:lnTo>
-                    <a:lnTo>
-                      <a:pt x="3166" y="1723"/>
-                    </a:lnTo>
-                    <a:lnTo>
-                      <a:pt x="3117" y="1658"/>
-                    </a:lnTo>
-                    <a:lnTo>
-                      <a:pt x="3068" y="1586"/>
-                    </a:lnTo>
-                    <a:close/>
-                    <a:moveTo>
-                      <a:pt x="3493" y="1472"/>
-                    </a:moveTo>
-                    <a:lnTo>
-                      <a:pt x="3447" y="1474"/>
-                    </a:lnTo>
-                    <a:lnTo>
-                      <a:pt x="3407" y="1486"/>
-                    </a:lnTo>
-                    <a:lnTo>
-                      <a:pt x="3369" y="1502"/>
-                    </a:lnTo>
-                    <a:lnTo>
-                      <a:pt x="3337" y="1526"/>
-                    </a:lnTo>
-                    <a:lnTo>
-                      <a:pt x="3311" y="1554"/>
-                    </a:lnTo>
-                    <a:lnTo>
-                      <a:pt x="3291" y="1587"/>
-                    </a:lnTo>
-                    <a:lnTo>
-                      <a:pt x="3278" y="1625"/>
-                    </a:lnTo>
-                    <a:lnTo>
-                      <a:pt x="3315" y="1663"/>
-                    </a:lnTo>
-                    <a:lnTo>
-                      <a:pt x="3351" y="1696"/>
-                    </a:lnTo>
-                    <a:lnTo>
-                      <a:pt x="3386" y="1721"/>
-                    </a:lnTo>
-                    <a:lnTo>
-                      <a:pt x="3422" y="1739"/>
-                    </a:lnTo>
-                    <a:lnTo>
-                      <a:pt x="3457" y="1752"/>
-                    </a:lnTo>
-                    <a:lnTo>
-                      <a:pt x="3490" y="1755"/>
-                    </a:lnTo>
-                    <a:lnTo>
-                      <a:pt x="3528" y="1752"/>
-                    </a:lnTo>
-                    <a:lnTo>
-                      <a:pt x="3565" y="1739"/>
-                    </a:lnTo>
-                    <a:lnTo>
-                      <a:pt x="3603" y="1721"/>
-                    </a:lnTo>
-                    <a:lnTo>
-                      <a:pt x="3638" y="1696"/>
-                    </a:lnTo>
-                    <a:lnTo>
-                      <a:pt x="3674" y="1665"/>
-                    </a:lnTo>
-                    <a:lnTo>
-                      <a:pt x="3707" y="1631"/>
-                    </a:lnTo>
-                    <a:lnTo>
-                      <a:pt x="3698" y="1596"/>
-                    </a:lnTo>
-                    <a:lnTo>
-                      <a:pt x="3681" y="1565"/>
-                    </a:lnTo>
-                    <a:lnTo>
-                      <a:pt x="3660" y="1539"/>
-                    </a:lnTo>
-                    <a:lnTo>
-                      <a:pt x="3635" y="1515"/>
-                    </a:lnTo>
-                    <a:lnTo>
-                      <a:pt x="3604" y="1497"/>
-                    </a:lnTo>
-                    <a:lnTo>
-                      <a:pt x="3570" y="1483"/>
-                    </a:lnTo>
-                    <a:lnTo>
-                      <a:pt x="3533" y="1474"/>
-                    </a:lnTo>
-                    <a:lnTo>
-                      <a:pt x="3493" y="1472"/>
-                    </a:lnTo>
-                    <a:close/>
-                    <a:moveTo>
-                      <a:pt x="2880" y="1118"/>
-                    </a:moveTo>
-                    <a:lnTo>
-                      <a:pt x="2588" y="1677"/>
-                    </a:lnTo>
-                    <a:lnTo>
-                      <a:pt x="2588" y="1923"/>
-                    </a:lnTo>
-                    <a:lnTo>
-                      <a:pt x="2642" y="1922"/>
-                    </a:lnTo>
-                    <a:lnTo>
-                      <a:pt x="2688" y="1922"/>
-                    </a:lnTo>
-                    <a:lnTo>
-                      <a:pt x="2725" y="1923"/>
-                    </a:lnTo>
-                    <a:lnTo>
-                      <a:pt x="2985" y="1427"/>
-                    </a:lnTo>
-                    <a:lnTo>
-                      <a:pt x="2953" y="1349"/>
-                    </a:lnTo>
-                    <a:lnTo>
-                      <a:pt x="2923" y="1272"/>
-                    </a:lnTo>
-                    <a:lnTo>
-                      <a:pt x="2900" y="1194"/>
-                    </a:lnTo>
-                    <a:lnTo>
-                      <a:pt x="2880" y="1118"/>
-                    </a:lnTo>
-                    <a:close/>
-                    <a:moveTo>
-                      <a:pt x="3200" y="658"/>
-                    </a:moveTo>
-                    <a:lnTo>
-                      <a:pt x="3155" y="676"/>
-                    </a:lnTo>
-                    <a:lnTo>
-                      <a:pt x="3117" y="695"/>
-                    </a:lnTo>
-                    <a:lnTo>
-                      <a:pt x="3086" y="716"/>
-                    </a:lnTo>
-                    <a:lnTo>
-                      <a:pt x="3061" y="739"/>
-                    </a:lnTo>
-                    <a:lnTo>
-                      <a:pt x="3042" y="762"/>
-                    </a:lnTo>
-                    <a:lnTo>
-                      <a:pt x="3026" y="786"/>
-                    </a:lnTo>
-                    <a:lnTo>
-                      <a:pt x="3017" y="808"/>
-                    </a:lnTo>
-                    <a:lnTo>
-                      <a:pt x="3010" y="831"/>
-                    </a:lnTo>
-                    <a:lnTo>
-                      <a:pt x="3005" y="853"/>
-                    </a:lnTo>
-                    <a:lnTo>
-                      <a:pt x="3003" y="872"/>
-                    </a:lnTo>
-                    <a:lnTo>
-                      <a:pt x="3001" y="889"/>
-                    </a:lnTo>
-                    <a:lnTo>
-                      <a:pt x="3001" y="903"/>
-                    </a:lnTo>
-                    <a:lnTo>
-                      <a:pt x="3004" y="956"/>
-                    </a:lnTo>
-                    <a:lnTo>
-                      <a:pt x="3011" y="1013"/>
-                    </a:lnTo>
-                    <a:lnTo>
-                      <a:pt x="3022" y="1073"/>
-                    </a:lnTo>
-                    <a:lnTo>
-                      <a:pt x="3038" y="1136"/>
-                    </a:lnTo>
-                    <a:lnTo>
-                      <a:pt x="3056" y="1200"/>
-                    </a:lnTo>
-                    <a:lnTo>
-                      <a:pt x="3078" y="1264"/>
-                    </a:lnTo>
-                    <a:lnTo>
-                      <a:pt x="3103" y="1328"/>
-                    </a:lnTo>
-                    <a:lnTo>
-                      <a:pt x="3131" y="1391"/>
-                    </a:lnTo>
-                    <a:lnTo>
-                      <a:pt x="3161" y="1452"/>
-                    </a:lnTo>
-                    <a:lnTo>
-                      <a:pt x="3191" y="1502"/>
-                    </a:lnTo>
-                    <a:lnTo>
-                      <a:pt x="3221" y="1550"/>
-                    </a:lnTo>
-                    <a:lnTo>
-                      <a:pt x="3244" y="1512"/>
-                    </a:lnTo>
-                    <a:lnTo>
-                      <a:pt x="3272" y="1479"/>
-                    </a:lnTo>
-                    <a:lnTo>
-                      <a:pt x="3305" y="1451"/>
-                    </a:lnTo>
-                    <a:lnTo>
-                      <a:pt x="3344" y="1427"/>
-                    </a:lnTo>
-                    <a:lnTo>
-                      <a:pt x="3386" y="1409"/>
-                    </a:lnTo>
-                    <a:lnTo>
-                      <a:pt x="3200" y="658"/>
-                    </a:lnTo>
-                    <a:close/>
-                    <a:moveTo>
-                      <a:pt x="3780" y="658"/>
-                    </a:moveTo>
-                    <a:lnTo>
-                      <a:pt x="3595" y="1408"/>
-                    </a:lnTo>
-                    <a:lnTo>
-                      <a:pt x="3639" y="1426"/>
-                    </a:lnTo>
-                    <a:lnTo>
-                      <a:pt x="3680" y="1451"/>
-                    </a:lnTo>
-                    <a:lnTo>
-                      <a:pt x="3714" y="1480"/>
-                    </a:lnTo>
-                    <a:lnTo>
-                      <a:pt x="3742" y="1515"/>
-                    </a:lnTo>
-                    <a:lnTo>
-                      <a:pt x="3766" y="1555"/>
-                    </a:lnTo>
-                    <a:lnTo>
-                      <a:pt x="3802" y="1497"/>
-                    </a:lnTo>
-                    <a:lnTo>
-                      <a:pt x="3836" y="1435"/>
-                    </a:lnTo>
-                    <a:lnTo>
-                      <a:pt x="3866" y="1370"/>
-                    </a:lnTo>
-                    <a:lnTo>
-                      <a:pt x="3894" y="1302"/>
-                    </a:lnTo>
-                    <a:lnTo>
-                      <a:pt x="3919" y="1233"/>
-                    </a:lnTo>
-                    <a:lnTo>
-                      <a:pt x="3940" y="1164"/>
-                    </a:lnTo>
-                    <a:lnTo>
-                      <a:pt x="3955" y="1095"/>
-                    </a:lnTo>
-                    <a:lnTo>
-                      <a:pt x="3968" y="1029"/>
-                    </a:lnTo>
-                    <a:lnTo>
-                      <a:pt x="3976" y="964"/>
-                    </a:lnTo>
-                    <a:lnTo>
-                      <a:pt x="3978" y="903"/>
-                    </a:lnTo>
-                    <a:lnTo>
-                      <a:pt x="3978" y="888"/>
-                    </a:lnTo>
-                    <a:lnTo>
-                      <a:pt x="3978" y="870"/>
-                    </a:lnTo>
-                    <a:lnTo>
-                      <a:pt x="3975" y="850"/>
-                    </a:lnTo>
-                    <a:lnTo>
-                      <a:pt x="3971" y="828"/>
-                    </a:lnTo>
-                    <a:lnTo>
-                      <a:pt x="3964" y="806"/>
-                    </a:lnTo>
-                    <a:lnTo>
-                      <a:pt x="3954" y="782"/>
-                    </a:lnTo>
-                    <a:lnTo>
-                      <a:pt x="3939" y="760"/>
-                    </a:lnTo>
-                    <a:lnTo>
-                      <a:pt x="3919" y="736"/>
-                    </a:lnTo>
-                    <a:lnTo>
-                      <a:pt x="3894" y="714"/>
-                    </a:lnTo>
-                    <a:lnTo>
-                      <a:pt x="3863" y="693"/>
-                    </a:lnTo>
-                    <a:lnTo>
-                      <a:pt x="3826" y="675"/>
-                    </a:lnTo>
-                    <a:lnTo>
-                      <a:pt x="3780" y="658"/>
-                    </a:lnTo>
-                    <a:close/>
-                    <a:moveTo>
-                      <a:pt x="3490" y="622"/>
-                    </a:moveTo>
-                    <a:lnTo>
-                      <a:pt x="3436" y="623"/>
-                    </a:lnTo>
-                    <a:lnTo>
-                      <a:pt x="3386" y="626"/>
-                    </a:lnTo>
-                    <a:lnTo>
-                      <a:pt x="3340" y="630"/>
-                    </a:lnTo>
-                    <a:lnTo>
-                      <a:pt x="3297" y="635"/>
-                    </a:lnTo>
-                    <a:lnTo>
-                      <a:pt x="3483" y="1392"/>
-                    </a:lnTo>
-                    <a:lnTo>
-                      <a:pt x="3497" y="1392"/>
-                    </a:lnTo>
-                    <a:lnTo>
-                      <a:pt x="3684" y="635"/>
-                    </a:lnTo>
-                    <a:lnTo>
-                      <a:pt x="3627" y="629"/>
-                    </a:lnTo>
-                    <a:lnTo>
-                      <a:pt x="3561" y="623"/>
-                    </a:lnTo>
-                    <a:lnTo>
-                      <a:pt x="3490" y="622"/>
-                    </a:lnTo>
-                    <a:close/>
-                    <a:moveTo>
-                      <a:pt x="4103" y="445"/>
-                    </a:moveTo>
-                    <a:lnTo>
-                      <a:pt x="4015" y="532"/>
-                    </a:lnTo>
-                    <a:lnTo>
-                      <a:pt x="4008" y="542"/>
-                    </a:lnTo>
-                    <a:lnTo>
-                      <a:pt x="4001" y="556"/>
-                    </a:lnTo>
-                    <a:lnTo>
-                      <a:pt x="3994" y="571"/>
-                    </a:lnTo>
-                    <a:lnTo>
-                      <a:pt x="3989" y="587"/>
-                    </a:lnTo>
-                    <a:lnTo>
-                      <a:pt x="3985" y="598"/>
-                    </a:lnTo>
-                    <a:lnTo>
-                      <a:pt x="4022" y="630"/>
-                    </a:lnTo>
-                    <a:lnTo>
-                      <a:pt x="4053" y="665"/>
-                    </a:lnTo>
-                    <a:lnTo>
-                      <a:pt x="4084" y="634"/>
-                    </a:lnTo>
-                    <a:lnTo>
-                      <a:pt x="4099" y="616"/>
-                    </a:lnTo>
-                    <a:lnTo>
-                      <a:pt x="4109" y="594"/>
-                    </a:lnTo>
-                    <a:lnTo>
-                      <a:pt x="4114" y="570"/>
-                    </a:lnTo>
-                    <a:lnTo>
-                      <a:pt x="4114" y="546"/>
-                    </a:lnTo>
-                    <a:lnTo>
-                      <a:pt x="4103" y="445"/>
-                    </a:lnTo>
-                    <a:close/>
-                    <a:moveTo>
-                      <a:pt x="2884" y="445"/>
-                    </a:moveTo>
-                    <a:lnTo>
-                      <a:pt x="2873" y="546"/>
-                    </a:lnTo>
-                    <a:lnTo>
-                      <a:pt x="2873" y="570"/>
-                    </a:lnTo>
-                    <a:lnTo>
-                      <a:pt x="2877" y="594"/>
-                    </a:lnTo>
-                    <a:lnTo>
-                      <a:pt x="2888" y="616"/>
-                    </a:lnTo>
-                    <a:lnTo>
-                      <a:pt x="2904" y="634"/>
-                    </a:lnTo>
-                    <a:lnTo>
-                      <a:pt x="2932" y="662"/>
-                    </a:lnTo>
-                    <a:lnTo>
-                      <a:pt x="2964" y="627"/>
-                    </a:lnTo>
-                    <a:lnTo>
-                      <a:pt x="3001" y="595"/>
-                    </a:lnTo>
-                    <a:lnTo>
-                      <a:pt x="2996" y="581"/>
-                    </a:lnTo>
-                    <a:lnTo>
-                      <a:pt x="2989" y="563"/>
-                    </a:lnTo>
-                    <a:lnTo>
-                      <a:pt x="2980" y="545"/>
-                    </a:lnTo>
-                    <a:lnTo>
-                      <a:pt x="2972" y="532"/>
-                    </a:lnTo>
-                    <a:lnTo>
-                      <a:pt x="2884" y="445"/>
-                    </a:lnTo>
-                    <a:close/>
-                    <a:moveTo>
-                      <a:pt x="3411" y="107"/>
-                    </a:moveTo>
-                    <a:lnTo>
-                      <a:pt x="3415" y="135"/>
-                    </a:lnTo>
-                    <a:lnTo>
-                      <a:pt x="3416" y="163"/>
-                    </a:lnTo>
-                    <a:lnTo>
-                      <a:pt x="3414" y="191"/>
-                    </a:lnTo>
-                    <a:lnTo>
-                      <a:pt x="3405" y="220"/>
-                    </a:lnTo>
-                    <a:lnTo>
-                      <a:pt x="3391" y="247"/>
-                    </a:lnTo>
-                    <a:lnTo>
-                      <a:pt x="3372" y="273"/>
-                    </a:lnTo>
-                    <a:lnTo>
-                      <a:pt x="3350" y="297"/>
-                    </a:lnTo>
-                    <a:lnTo>
-                      <a:pt x="3329" y="321"/>
-                    </a:lnTo>
-                    <a:lnTo>
-                      <a:pt x="3312" y="343"/>
-                    </a:lnTo>
-                    <a:lnTo>
-                      <a:pt x="3297" y="367"/>
-                    </a:lnTo>
-                    <a:lnTo>
-                      <a:pt x="3285" y="392"/>
-                    </a:lnTo>
-                    <a:lnTo>
-                      <a:pt x="3276" y="421"/>
-                    </a:lnTo>
-                    <a:lnTo>
-                      <a:pt x="3272" y="453"/>
-                    </a:lnTo>
-                    <a:lnTo>
-                      <a:pt x="3270" y="489"/>
-                    </a:lnTo>
-                    <a:lnTo>
-                      <a:pt x="3338" y="481"/>
-                    </a:lnTo>
-                    <a:lnTo>
-                      <a:pt x="3412" y="475"/>
-                    </a:lnTo>
-                    <a:lnTo>
-                      <a:pt x="3490" y="474"/>
-                    </a:lnTo>
-                    <a:lnTo>
-                      <a:pt x="3565" y="475"/>
-                    </a:lnTo>
-                    <a:lnTo>
-                      <a:pt x="3635" y="479"/>
-                    </a:lnTo>
-                    <a:lnTo>
-                      <a:pt x="3699" y="488"/>
-                    </a:lnTo>
-                    <a:lnTo>
-                      <a:pt x="3758" y="499"/>
-                    </a:lnTo>
-                    <a:lnTo>
-                      <a:pt x="3756" y="482"/>
-                    </a:lnTo>
-                    <a:lnTo>
-                      <a:pt x="3752" y="460"/>
-                    </a:lnTo>
-                    <a:lnTo>
-                      <a:pt x="3748" y="436"/>
-                    </a:lnTo>
-                    <a:lnTo>
-                      <a:pt x="3741" y="410"/>
-                    </a:lnTo>
-                    <a:lnTo>
-                      <a:pt x="3731" y="382"/>
-                    </a:lnTo>
-                    <a:lnTo>
-                      <a:pt x="3720" y="351"/>
-                    </a:lnTo>
-                    <a:lnTo>
-                      <a:pt x="3706" y="322"/>
-                    </a:lnTo>
-                    <a:lnTo>
-                      <a:pt x="3688" y="291"/>
-                    </a:lnTo>
-                    <a:lnTo>
-                      <a:pt x="3668" y="261"/>
-                    </a:lnTo>
-                    <a:lnTo>
-                      <a:pt x="3645" y="231"/>
-                    </a:lnTo>
-                    <a:lnTo>
-                      <a:pt x="3617" y="203"/>
-                    </a:lnTo>
-                    <a:lnTo>
-                      <a:pt x="3585" y="178"/>
-                    </a:lnTo>
-                    <a:lnTo>
-                      <a:pt x="3549" y="155"/>
-                    </a:lnTo>
-                    <a:lnTo>
-                      <a:pt x="3508" y="135"/>
-                    </a:lnTo>
-                    <a:lnTo>
-                      <a:pt x="3462" y="118"/>
-                    </a:lnTo>
-                    <a:lnTo>
-                      <a:pt x="3411" y="107"/>
-                    </a:lnTo>
-                    <a:close/>
-                    <a:moveTo>
-                      <a:pt x="3337" y="0"/>
-                    </a:moveTo>
-                    <a:lnTo>
-                      <a:pt x="3398" y="6"/>
-                    </a:lnTo>
-                    <a:lnTo>
-                      <a:pt x="3455" y="15"/>
-                    </a:lnTo>
-                    <a:lnTo>
-                      <a:pt x="3507" y="29"/>
-                    </a:lnTo>
-                    <a:lnTo>
-                      <a:pt x="3554" y="47"/>
-                    </a:lnTo>
-                    <a:lnTo>
-                      <a:pt x="3597" y="68"/>
-                    </a:lnTo>
-                    <a:lnTo>
-                      <a:pt x="3635" y="92"/>
-                    </a:lnTo>
-                    <a:lnTo>
-                      <a:pt x="3670" y="118"/>
-                    </a:lnTo>
-                    <a:lnTo>
-                      <a:pt x="3701" y="148"/>
-                    </a:lnTo>
-                    <a:lnTo>
-                      <a:pt x="3728" y="177"/>
-                    </a:lnTo>
-                    <a:lnTo>
-                      <a:pt x="3752" y="209"/>
-                    </a:lnTo>
-                    <a:lnTo>
-                      <a:pt x="3773" y="241"/>
-                    </a:lnTo>
-                    <a:lnTo>
-                      <a:pt x="3791" y="273"/>
-                    </a:lnTo>
-                    <a:lnTo>
-                      <a:pt x="3806" y="305"/>
-                    </a:lnTo>
-                    <a:lnTo>
-                      <a:pt x="3819" y="337"/>
-                    </a:lnTo>
-                    <a:lnTo>
-                      <a:pt x="3830" y="368"/>
-                    </a:lnTo>
-                    <a:lnTo>
-                      <a:pt x="3838" y="397"/>
-                    </a:lnTo>
-                    <a:lnTo>
-                      <a:pt x="3845" y="424"/>
-                    </a:lnTo>
-                    <a:lnTo>
-                      <a:pt x="3850" y="449"/>
-                    </a:lnTo>
-                    <a:lnTo>
-                      <a:pt x="3854" y="471"/>
-                    </a:lnTo>
-                    <a:lnTo>
-                      <a:pt x="3857" y="489"/>
-                    </a:lnTo>
-                    <a:lnTo>
-                      <a:pt x="3858" y="504"/>
-                    </a:lnTo>
-                    <a:lnTo>
-                      <a:pt x="3872" y="477"/>
-                    </a:lnTo>
-                    <a:lnTo>
-                      <a:pt x="3890" y="452"/>
-                    </a:lnTo>
-                    <a:lnTo>
-                      <a:pt x="3911" y="428"/>
-                    </a:lnTo>
-                    <a:lnTo>
-                      <a:pt x="4107" y="231"/>
-                    </a:lnTo>
-                    <a:lnTo>
-                      <a:pt x="4124" y="219"/>
-                    </a:lnTo>
-                    <a:lnTo>
-                      <a:pt x="4143" y="210"/>
-                    </a:lnTo>
-                    <a:lnTo>
-                      <a:pt x="4164" y="209"/>
-                    </a:lnTo>
-                    <a:lnTo>
-                      <a:pt x="4184" y="213"/>
-                    </a:lnTo>
-                    <a:lnTo>
-                      <a:pt x="4203" y="223"/>
-                    </a:lnTo>
-                    <a:lnTo>
-                      <a:pt x="4217" y="237"/>
-                    </a:lnTo>
-                    <a:lnTo>
-                      <a:pt x="4228" y="255"/>
-                    </a:lnTo>
-                    <a:lnTo>
-                      <a:pt x="4234" y="275"/>
-                    </a:lnTo>
-                    <a:lnTo>
-                      <a:pt x="4262" y="530"/>
-                    </a:lnTo>
-                    <a:lnTo>
-                      <a:pt x="4263" y="569"/>
-                    </a:lnTo>
-                    <a:lnTo>
-                      <a:pt x="4259" y="606"/>
-                    </a:lnTo>
-                    <a:lnTo>
-                      <a:pt x="4249" y="642"/>
-                    </a:lnTo>
-                    <a:lnTo>
-                      <a:pt x="4234" y="677"/>
-                    </a:lnTo>
-                    <a:lnTo>
-                      <a:pt x="4213" y="711"/>
-                    </a:lnTo>
-                    <a:lnTo>
-                      <a:pt x="4188" y="740"/>
-                    </a:lnTo>
-                    <a:lnTo>
-                      <a:pt x="4117" y="810"/>
-                    </a:lnTo>
-                    <a:lnTo>
-                      <a:pt x="4124" y="857"/>
-                    </a:lnTo>
-                    <a:lnTo>
-                      <a:pt x="4127" y="903"/>
-                    </a:lnTo>
-                    <a:lnTo>
-                      <a:pt x="4124" y="966"/>
-                    </a:lnTo>
-                    <a:lnTo>
-                      <a:pt x="4117" y="1031"/>
-                    </a:lnTo>
-                    <a:lnTo>
-                      <a:pt x="4106" y="1100"/>
-                    </a:lnTo>
-                    <a:lnTo>
-                      <a:pt x="4091" y="1171"/>
-                    </a:lnTo>
-                    <a:lnTo>
-                      <a:pt x="4070" y="1242"/>
-                    </a:lnTo>
-                    <a:lnTo>
-                      <a:pt x="4047" y="1314"/>
-                    </a:lnTo>
-                    <a:lnTo>
-                      <a:pt x="4021" y="1385"/>
-                    </a:lnTo>
-                    <a:lnTo>
-                      <a:pt x="3990" y="1455"/>
-                    </a:lnTo>
-                    <a:lnTo>
-                      <a:pt x="3958" y="1522"/>
-                    </a:lnTo>
-                    <a:lnTo>
-                      <a:pt x="3919" y="1589"/>
-                    </a:lnTo>
-                    <a:lnTo>
-                      <a:pt x="3880" y="1650"/>
-                    </a:lnTo>
-                    <a:lnTo>
-                      <a:pt x="3838" y="1704"/>
-                    </a:lnTo>
-                    <a:lnTo>
-                      <a:pt x="3797" y="1753"/>
-                    </a:lnTo>
-                    <a:lnTo>
-                      <a:pt x="3752" y="1795"/>
-                    </a:lnTo>
-                    <a:lnTo>
-                      <a:pt x="3706" y="1830"/>
-                    </a:lnTo>
-                    <a:lnTo>
-                      <a:pt x="3471" y="4518"/>
-                    </a:lnTo>
-                    <a:lnTo>
-                      <a:pt x="3467" y="4540"/>
-                    </a:lnTo>
-                    <a:lnTo>
-                      <a:pt x="3455" y="4559"/>
-                    </a:lnTo>
-                    <a:lnTo>
-                      <a:pt x="3439" y="4574"/>
-                    </a:lnTo>
-                    <a:lnTo>
-                      <a:pt x="3419" y="4584"/>
-                    </a:lnTo>
-                    <a:lnTo>
-                      <a:pt x="3397" y="4586"/>
-                    </a:lnTo>
-                    <a:lnTo>
-                      <a:pt x="2769" y="4586"/>
-                    </a:lnTo>
-                    <a:lnTo>
-                      <a:pt x="2745" y="4582"/>
-                    </a:lnTo>
-                    <a:lnTo>
-                      <a:pt x="2725" y="4573"/>
-                    </a:lnTo>
-                    <a:lnTo>
-                      <a:pt x="2709" y="4556"/>
-                    </a:lnTo>
-                    <a:lnTo>
-                      <a:pt x="2699" y="4536"/>
-                    </a:lnTo>
-                    <a:lnTo>
-                      <a:pt x="2695" y="4513"/>
-                    </a:lnTo>
-                    <a:lnTo>
-                      <a:pt x="2695" y="3474"/>
-                    </a:lnTo>
-                    <a:lnTo>
-                      <a:pt x="2691" y="3428"/>
-                    </a:lnTo>
-                    <a:lnTo>
-                      <a:pt x="2681" y="3384"/>
-                    </a:lnTo>
-                    <a:lnTo>
-                      <a:pt x="2664" y="3341"/>
-                    </a:lnTo>
-                    <a:lnTo>
-                      <a:pt x="2641" y="3302"/>
-                    </a:lnTo>
-                    <a:lnTo>
-                      <a:pt x="2613" y="3267"/>
-                    </a:lnTo>
-                    <a:lnTo>
-                      <a:pt x="2579" y="3236"/>
-                    </a:lnTo>
-                    <a:lnTo>
-                      <a:pt x="2542" y="3211"/>
-                    </a:lnTo>
-                    <a:lnTo>
-                      <a:pt x="2500" y="3191"/>
-                    </a:lnTo>
-                    <a:lnTo>
-                      <a:pt x="1895" y="2995"/>
-                    </a:lnTo>
-                    <a:lnTo>
-                      <a:pt x="1884" y="3044"/>
-                    </a:lnTo>
-                    <a:lnTo>
-                      <a:pt x="1867" y="3090"/>
-                    </a:lnTo>
-                    <a:lnTo>
-                      <a:pt x="1848" y="3133"/>
-                    </a:lnTo>
-                    <a:lnTo>
-                      <a:pt x="1823" y="3175"/>
-                    </a:lnTo>
-                    <a:lnTo>
-                      <a:pt x="1796" y="3214"/>
-                    </a:lnTo>
-                    <a:lnTo>
-                      <a:pt x="1714" y="4517"/>
-                    </a:lnTo>
-                    <a:lnTo>
-                      <a:pt x="1709" y="4539"/>
-                    </a:lnTo>
-                    <a:lnTo>
-                      <a:pt x="1698" y="4559"/>
-                    </a:lnTo>
-                    <a:lnTo>
-                      <a:pt x="1682" y="4574"/>
-                    </a:lnTo>
-                    <a:lnTo>
-                      <a:pt x="1663" y="4584"/>
-                    </a:lnTo>
-                    <a:lnTo>
-                      <a:pt x="1639" y="4586"/>
-                    </a:lnTo>
-                    <a:lnTo>
-                      <a:pt x="1199" y="4586"/>
-                    </a:lnTo>
-                    <a:lnTo>
-                      <a:pt x="1177" y="4584"/>
-                    </a:lnTo>
-                    <a:lnTo>
-                      <a:pt x="1156" y="4573"/>
-                    </a:lnTo>
-                    <a:lnTo>
-                      <a:pt x="1140" y="4557"/>
-                    </a:lnTo>
-                    <a:lnTo>
-                      <a:pt x="1129" y="4538"/>
-                    </a:lnTo>
-                    <a:lnTo>
-                      <a:pt x="1126" y="4531"/>
-                    </a:lnTo>
-                    <a:lnTo>
-                      <a:pt x="1121" y="4515"/>
-                    </a:lnTo>
-                    <a:lnTo>
-                      <a:pt x="1114" y="4494"/>
-                    </a:lnTo>
-                    <a:lnTo>
-                      <a:pt x="1104" y="4465"/>
-                    </a:lnTo>
-                    <a:lnTo>
-                      <a:pt x="1092" y="4430"/>
-                    </a:lnTo>
-                    <a:lnTo>
-                      <a:pt x="1079" y="4390"/>
-                    </a:lnTo>
-                    <a:lnTo>
-                      <a:pt x="1064" y="4344"/>
-                    </a:lnTo>
-                    <a:lnTo>
-                      <a:pt x="1047" y="4292"/>
-                    </a:lnTo>
-                    <a:lnTo>
-                      <a:pt x="1030" y="4235"/>
-                    </a:lnTo>
-                    <a:lnTo>
-                      <a:pt x="1012" y="4175"/>
-                    </a:lnTo>
-                    <a:lnTo>
-                      <a:pt x="994" y="4110"/>
-                    </a:lnTo>
-                    <a:lnTo>
-                      <a:pt x="975" y="4042"/>
-                    </a:lnTo>
-                    <a:lnTo>
-                      <a:pt x="955" y="3969"/>
-                    </a:lnTo>
-                    <a:lnTo>
-                      <a:pt x="937" y="3894"/>
-                    </a:lnTo>
-                    <a:lnTo>
-                      <a:pt x="918" y="3816"/>
-                    </a:lnTo>
-                    <a:lnTo>
-                      <a:pt x="899" y="3736"/>
-                    </a:lnTo>
-                    <a:lnTo>
-                      <a:pt x="883" y="3656"/>
-                    </a:lnTo>
-                    <a:lnTo>
-                      <a:pt x="866" y="3572"/>
-                    </a:lnTo>
-                    <a:lnTo>
-                      <a:pt x="851" y="3487"/>
-                    </a:lnTo>
-                    <a:lnTo>
-                      <a:pt x="833" y="3371"/>
-                    </a:lnTo>
-                    <a:lnTo>
-                      <a:pt x="819" y="3260"/>
-                    </a:lnTo>
-                    <a:lnTo>
-                      <a:pt x="807" y="3154"/>
-                    </a:lnTo>
-                    <a:lnTo>
-                      <a:pt x="802" y="3052"/>
-                    </a:lnTo>
-                    <a:lnTo>
-                      <a:pt x="799" y="2956"/>
-                    </a:lnTo>
-                    <a:lnTo>
-                      <a:pt x="801" y="2865"/>
-                    </a:lnTo>
-                    <a:lnTo>
-                      <a:pt x="806" y="2780"/>
-                    </a:lnTo>
-                    <a:lnTo>
-                      <a:pt x="816" y="2699"/>
-                    </a:lnTo>
-                    <a:lnTo>
-                      <a:pt x="791" y="2708"/>
-                    </a:lnTo>
-                    <a:lnTo>
-                      <a:pt x="768" y="2719"/>
-                    </a:lnTo>
-                    <a:lnTo>
-                      <a:pt x="749" y="2733"/>
-                    </a:lnTo>
-                    <a:lnTo>
-                      <a:pt x="732" y="2751"/>
-                    </a:lnTo>
-                    <a:lnTo>
-                      <a:pt x="718" y="2773"/>
-                    </a:lnTo>
-                    <a:lnTo>
-                      <a:pt x="706" y="2801"/>
-                    </a:lnTo>
-                    <a:lnTo>
-                      <a:pt x="695" y="2835"/>
-                    </a:lnTo>
-                    <a:lnTo>
-                      <a:pt x="685" y="2872"/>
-                    </a:lnTo>
-                    <a:lnTo>
-                      <a:pt x="678" y="2918"/>
-                    </a:lnTo>
-                    <a:lnTo>
-                      <a:pt x="672" y="2970"/>
-                    </a:lnTo>
-                    <a:lnTo>
-                      <a:pt x="667" y="3030"/>
-                    </a:lnTo>
-                    <a:lnTo>
-                      <a:pt x="664" y="3098"/>
-                    </a:lnTo>
-                    <a:lnTo>
-                      <a:pt x="661" y="3175"/>
-                    </a:lnTo>
-                    <a:lnTo>
-                      <a:pt x="658" y="3261"/>
-                    </a:lnTo>
-                    <a:lnTo>
-                      <a:pt x="658" y="3356"/>
-                    </a:lnTo>
-                    <a:lnTo>
-                      <a:pt x="657" y="3462"/>
-                    </a:lnTo>
-                    <a:lnTo>
-                      <a:pt x="654" y="3527"/>
-                    </a:lnTo>
-                    <a:lnTo>
-                      <a:pt x="645" y="3589"/>
-                    </a:lnTo>
-                    <a:lnTo>
-                      <a:pt x="629" y="3644"/>
-                    </a:lnTo>
-                    <a:lnTo>
-                      <a:pt x="608" y="3696"/>
-                    </a:lnTo>
-                    <a:lnTo>
-                      <a:pt x="582" y="3742"/>
-                    </a:lnTo>
-                    <a:lnTo>
-                      <a:pt x="548" y="3784"/>
-                    </a:lnTo>
-                    <a:lnTo>
-                      <a:pt x="511" y="3820"/>
-                    </a:lnTo>
-                    <a:lnTo>
-                      <a:pt x="472" y="3849"/>
-                    </a:lnTo>
-                    <a:lnTo>
-                      <a:pt x="430" y="3872"/>
-                    </a:lnTo>
-                    <a:lnTo>
-                      <a:pt x="388" y="3890"/>
-                    </a:lnTo>
-                    <a:lnTo>
-                      <a:pt x="346" y="3902"/>
-                    </a:lnTo>
-                    <a:lnTo>
-                      <a:pt x="305" y="3912"/>
-                    </a:lnTo>
-                    <a:lnTo>
-                      <a:pt x="264" y="3918"/>
-                    </a:lnTo>
-                    <a:lnTo>
-                      <a:pt x="227" y="3920"/>
-                    </a:lnTo>
-                    <a:lnTo>
-                      <a:pt x="192" y="3922"/>
-                    </a:lnTo>
-                    <a:lnTo>
-                      <a:pt x="161" y="3922"/>
-                    </a:lnTo>
-                    <a:lnTo>
-                      <a:pt x="135" y="3919"/>
-                    </a:lnTo>
-                    <a:lnTo>
-                      <a:pt x="115" y="3918"/>
-                    </a:lnTo>
-                    <a:lnTo>
-                      <a:pt x="101" y="3916"/>
-                    </a:lnTo>
-                    <a:lnTo>
-                      <a:pt x="96" y="3915"/>
-                    </a:lnTo>
-                    <a:lnTo>
-                      <a:pt x="73" y="3906"/>
-                    </a:lnTo>
-                    <a:lnTo>
-                      <a:pt x="55" y="3892"/>
-                    </a:lnTo>
-                    <a:lnTo>
-                      <a:pt x="41" y="3874"/>
-                    </a:lnTo>
-                    <a:lnTo>
-                      <a:pt x="34" y="3852"/>
-                    </a:lnTo>
-                    <a:lnTo>
-                      <a:pt x="36" y="3830"/>
-                    </a:lnTo>
-                    <a:lnTo>
-                      <a:pt x="43" y="3807"/>
-                    </a:lnTo>
-                    <a:lnTo>
-                      <a:pt x="55" y="3789"/>
-                    </a:lnTo>
-                    <a:lnTo>
-                      <a:pt x="75" y="3775"/>
-                    </a:lnTo>
-                    <a:lnTo>
-                      <a:pt x="75" y="3775"/>
-                    </a:lnTo>
-                    <a:lnTo>
-                      <a:pt x="78" y="3773"/>
-                    </a:lnTo>
-                    <a:lnTo>
-                      <a:pt x="82" y="3768"/>
-                    </a:lnTo>
-                    <a:lnTo>
-                      <a:pt x="86" y="3761"/>
-                    </a:lnTo>
-                    <a:lnTo>
-                      <a:pt x="90" y="3750"/>
-                    </a:lnTo>
-                    <a:lnTo>
-                      <a:pt x="94" y="3736"/>
-                    </a:lnTo>
-                    <a:lnTo>
-                      <a:pt x="99" y="3718"/>
-                    </a:lnTo>
-                    <a:lnTo>
-                      <a:pt x="103" y="3696"/>
-                    </a:lnTo>
-                    <a:lnTo>
-                      <a:pt x="105" y="3668"/>
-                    </a:lnTo>
-                    <a:lnTo>
-                      <a:pt x="107" y="3635"/>
-                    </a:lnTo>
-                    <a:lnTo>
-                      <a:pt x="107" y="3594"/>
-                    </a:lnTo>
-                    <a:lnTo>
-                      <a:pt x="105" y="3548"/>
-                    </a:lnTo>
-                    <a:lnTo>
-                      <a:pt x="99" y="3473"/>
-                    </a:lnTo>
-                    <a:lnTo>
-                      <a:pt x="89" y="3395"/>
-                    </a:lnTo>
-                    <a:lnTo>
-                      <a:pt x="76" y="3315"/>
-                    </a:lnTo>
-                    <a:lnTo>
-                      <a:pt x="62" y="3239"/>
-                    </a:lnTo>
-                    <a:lnTo>
-                      <a:pt x="50" y="3168"/>
-                    </a:lnTo>
-                    <a:lnTo>
-                      <a:pt x="36" y="3104"/>
-                    </a:lnTo>
-                    <a:lnTo>
-                      <a:pt x="18" y="3002"/>
-                    </a:lnTo>
-                    <a:lnTo>
-                      <a:pt x="5" y="2906"/>
-                    </a:lnTo>
-                    <a:lnTo>
-                      <a:pt x="0" y="2812"/>
-                    </a:lnTo>
-                    <a:lnTo>
-                      <a:pt x="1" y="2723"/>
-                    </a:lnTo>
-                    <a:lnTo>
-                      <a:pt x="9" y="2638"/>
-                    </a:lnTo>
-                    <a:lnTo>
-                      <a:pt x="23" y="2557"/>
-                    </a:lnTo>
-                    <a:lnTo>
-                      <a:pt x="44" y="2482"/>
-                    </a:lnTo>
-                    <a:lnTo>
-                      <a:pt x="72" y="2410"/>
-                    </a:lnTo>
-                    <a:lnTo>
-                      <a:pt x="105" y="2343"/>
-                    </a:lnTo>
-                    <a:lnTo>
-                      <a:pt x="146" y="2279"/>
-                    </a:lnTo>
-                    <a:lnTo>
-                      <a:pt x="186" y="2227"/>
-                    </a:lnTo>
-                    <a:lnTo>
-                      <a:pt x="228" y="2182"/>
-                    </a:lnTo>
-                    <a:lnTo>
-                      <a:pt x="273" y="2145"/>
-                    </a:lnTo>
-                    <a:lnTo>
-                      <a:pt x="316" y="2113"/>
-                    </a:lnTo>
-                    <a:lnTo>
-                      <a:pt x="359" y="2086"/>
-                    </a:lnTo>
-                    <a:lnTo>
-                      <a:pt x="401" y="2064"/>
-                    </a:lnTo>
-                    <a:lnTo>
-                      <a:pt x="441" y="2046"/>
-                    </a:lnTo>
-                    <a:lnTo>
-                      <a:pt x="479" y="2033"/>
-                    </a:lnTo>
-                    <a:lnTo>
-                      <a:pt x="514" y="2022"/>
-                    </a:lnTo>
-                    <a:lnTo>
-                      <a:pt x="543" y="2015"/>
-                    </a:lnTo>
-                    <a:lnTo>
-                      <a:pt x="568" y="2011"/>
-                    </a:lnTo>
-                    <a:lnTo>
-                      <a:pt x="586" y="2008"/>
-                    </a:lnTo>
-                    <a:lnTo>
-                      <a:pt x="643" y="2004"/>
-                    </a:lnTo>
-                    <a:lnTo>
-                      <a:pt x="697" y="2007"/>
-                    </a:lnTo>
-                    <a:lnTo>
-                      <a:pt x="748" y="2017"/>
-                    </a:lnTo>
-                    <a:lnTo>
-                      <a:pt x="796" y="2031"/>
-                    </a:lnTo>
-                    <a:lnTo>
-                      <a:pt x="841" y="2047"/>
-                    </a:lnTo>
-                    <a:lnTo>
-                      <a:pt x="883" y="2070"/>
-                    </a:lnTo>
-                    <a:lnTo>
-                      <a:pt x="922" y="2093"/>
-                    </a:lnTo>
-                    <a:lnTo>
-                      <a:pt x="957" y="2118"/>
-                    </a:lnTo>
-                    <a:lnTo>
-                      <a:pt x="989" y="2145"/>
-                    </a:lnTo>
-                    <a:lnTo>
-                      <a:pt x="1016" y="2171"/>
-                    </a:lnTo>
-                    <a:lnTo>
-                      <a:pt x="1041" y="2198"/>
-                    </a:lnTo>
-                    <a:lnTo>
-                      <a:pt x="1064" y="2221"/>
-                    </a:lnTo>
-                    <a:lnTo>
-                      <a:pt x="1097" y="2199"/>
-                    </a:lnTo>
-                    <a:lnTo>
-                      <a:pt x="1135" y="2180"/>
-                    </a:lnTo>
-                    <a:lnTo>
-                      <a:pt x="1172" y="2164"/>
-                    </a:lnTo>
-                    <a:lnTo>
-                      <a:pt x="1295" y="2121"/>
-                    </a:lnTo>
-                    <a:lnTo>
-                      <a:pt x="1416" y="2085"/>
-                    </a:lnTo>
-                    <a:lnTo>
-                      <a:pt x="1539" y="2053"/>
-                    </a:lnTo>
-                    <a:lnTo>
-                      <a:pt x="1660" y="2025"/>
-                    </a:lnTo>
-                    <a:lnTo>
-                      <a:pt x="1778" y="2001"/>
-                    </a:lnTo>
-                    <a:lnTo>
-                      <a:pt x="1895" y="1982"/>
-                    </a:lnTo>
-                    <a:lnTo>
-                      <a:pt x="2008" y="1965"/>
-                    </a:lnTo>
-                    <a:lnTo>
-                      <a:pt x="2115" y="1952"/>
-                    </a:lnTo>
-                    <a:lnTo>
-                      <a:pt x="2220" y="1943"/>
-                    </a:lnTo>
-                    <a:lnTo>
-                      <a:pt x="2316" y="1934"/>
-                    </a:lnTo>
-                    <a:lnTo>
-                      <a:pt x="2407" y="1929"/>
-                    </a:lnTo>
-                    <a:lnTo>
-                      <a:pt x="2489" y="1926"/>
-                    </a:lnTo>
-                    <a:lnTo>
-                      <a:pt x="2489" y="1664"/>
-                    </a:lnTo>
-                    <a:lnTo>
-                      <a:pt x="2490" y="1651"/>
-                    </a:lnTo>
-                    <a:lnTo>
-                      <a:pt x="2494" y="1640"/>
-                    </a:lnTo>
-                    <a:lnTo>
-                      <a:pt x="2855" y="952"/>
-                    </a:lnTo>
-                    <a:lnTo>
-                      <a:pt x="2854" y="903"/>
-                    </a:lnTo>
-                    <a:lnTo>
-                      <a:pt x="2856" y="853"/>
-                    </a:lnTo>
-                    <a:lnTo>
-                      <a:pt x="2865" y="806"/>
-                    </a:lnTo>
-                    <a:lnTo>
-                      <a:pt x="2799" y="740"/>
-                    </a:lnTo>
-                    <a:lnTo>
-                      <a:pt x="2773" y="711"/>
-                    </a:lnTo>
-                    <a:lnTo>
-                      <a:pt x="2753" y="677"/>
-                    </a:lnTo>
-                    <a:lnTo>
-                      <a:pt x="2738" y="642"/>
-                    </a:lnTo>
-                    <a:lnTo>
-                      <a:pt x="2728" y="606"/>
-                    </a:lnTo>
-                    <a:lnTo>
-                      <a:pt x="2724" y="569"/>
-                    </a:lnTo>
-                    <a:lnTo>
-                      <a:pt x="2725" y="530"/>
-                    </a:lnTo>
-                    <a:lnTo>
-                      <a:pt x="2753" y="275"/>
-                    </a:lnTo>
-                    <a:lnTo>
-                      <a:pt x="2759" y="255"/>
-                    </a:lnTo>
-                    <a:lnTo>
-                      <a:pt x="2769" y="237"/>
-                    </a:lnTo>
-                    <a:lnTo>
-                      <a:pt x="2784" y="223"/>
-                    </a:lnTo>
-                    <a:lnTo>
-                      <a:pt x="2802" y="213"/>
-                    </a:lnTo>
-                    <a:lnTo>
-                      <a:pt x="2823" y="209"/>
-                    </a:lnTo>
-                    <a:lnTo>
-                      <a:pt x="2844" y="210"/>
-                    </a:lnTo>
-                    <a:lnTo>
-                      <a:pt x="2863" y="219"/>
-                    </a:lnTo>
-                    <a:lnTo>
-                      <a:pt x="2880" y="231"/>
-                    </a:lnTo>
-                    <a:lnTo>
-                      <a:pt x="3077" y="428"/>
-                    </a:lnTo>
-                    <a:lnTo>
-                      <a:pt x="3102" y="457"/>
-                    </a:lnTo>
-                    <a:lnTo>
-                      <a:pt x="3121" y="489"/>
-                    </a:lnTo>
-                    <a:lnTo>
-                      <a:pt x="3136" y="524"/>
-                    </a:lnTo>
-                    <a:lnTo>
-                      <a:pt x="3174" y="511"/>
-                    </a:lnTo>
-                    <a:lnTo>
-                      <a:pt x="3173" y="465"/>
-                    </a:lnTo>
-                    <a:lnTo>
-                      <a:pt x="3175" y="425"/>
-                    </a:lnTo>
-                    <a:lnTo>
-                      <a:pt x="3182" y="389"/>
-                    </a:lnTo>
-                    <a:lnTo>
-                      <a:pt x="3194" y="355"/>
-                    </a:lnTo>
-                    <a:lnTo>
-                      <a:pt x="3206" y="326"/>
-                    </a:lnTo>
-                    <a:lnTo>
-                      <a:pt x="3221" y="300"/>
-                    </a:lnTo>
-                    <a:lnTo>
-                      <a:pt x="3239" y="275"/>
-                    </a:lnTo>
-                    <a:lnTo>
-                      <a:pt x="3258" y="251"/>
-                    </a:lnTo>
-                    <a:lnTo>
-                      <a:pt x="3278" y="229"/>
-                    </a:lnTo>
-                    <a:lnTo>
-                      <a:pt x="3299" y="206"/>
-                    </a:lnTo>
-                    <a:lnTo>
-                      <a:pt x="3311" y="190"/>
-                    </a:lnTo>
-                    <a:lnTo>
-                      <a:pt x="3316" y="170"/>
-                    </a:lnTo>
-                    <a:lnTo>
-                      <a:pt x="3317" y="152"/>
-                    </a:lnTo>
-                    <a:lnTo>
-                      <a:pt x="3315" y="132"/>
-                    </a:lnTo>
-                    <a:lnTo>
-                      <a:pt x="3311" y="114"/>
-                    </a:lnTo>
-                    <a:lnTo>
-                      <a:pt x="3305" y="99"/>
-                    </a:lnTo>
-                    <a:lnTo>
-                      <a:pt x="3299" y="86"/>
-                    </a:lnTo>
-                    <a:lnTo>
-                      <a:pt x="3295" y="78"/>
-                    </a:lnTo>
-                    <a:lnTo>
-                      <a:pt x="3292" y="75"/>
-                    </a:lnTo>
-                    <a:lnTo>
-                      <a:pt x="3287" y="59"/>
-                    </a:lnTo>
-                    <a:lnTo>
-                      <a:pt x="3287" y="42"/>
-                    </a:lnTo>
-                    <a:lnTo>
-                      <a:pt x="3292" y="25"/>
-                    </a:lnTo>
-                    <a:lnTo>
-                      <a:pt x="3304" y="11"/>
-                    </a:lnTo>
-                    <a:lnTo>
-                      <a:pt x="3319" y="3"/>
-                    </a:lnTo>
-                    <a:lnTo>
-                      <a:pt x="3337" y="0"/>
-                    </a:lnTo>
-                    <a:close/>
-                  </a:path>
-                </a:pathLst>
-              </a:custGeom>
-              <a:grpFill/>
-              <a:ln w="0">
-                <a:noFill/>
-                <a:prstDash val="solid"/>
-                <a:round/>
-                <a:headEnd/>
-                <a:tailEnd/>
-              </a:ln>
-            </p:spPr>
-            <p:txBody>
-              <a:bodyPr vert="horz" wrap="square" lIns="91440" tIns="45720" rIns="91440" bIns="45720" numCol="1" anchor="t" anchorCtr="0" compatLnSpc="1">
-                <a:prstTxWarp prst="textNoShape">
-                  <a:avLst/>
-                </a:prstTxWarp>
-              </a:bodyPr>
-              <a:lstStyle/>
-              <a:p>
-                <a:pPr marL="0" marR="0" lvl="0" indent="0" defTabSz="914400" eaLnBrk="1" fontAlgn="auto" latinLnBrk="0" hangingPunct="1">
-                  <a:lnSpc>
-                    <a:spcPct val="100000"/>
-                  </a:lnSpc>
-                  <a:spcBef>
-                    <a:spcPts val="0"/>
-                  </a:spcBef>
-                  <a:spcAft>
-                    <a:spcPts val="0"/>
-                  </a:spcAft>
-                  <a:buClrTx/>
-                  <a:buSzTx/>
-                  <a:buFontTx/>
-                  <a:buNone/>
-                  <a:tabLst/>
-                  <a:defRPr/>
-                </a:pPr>
-                <a:endParaRPr kumimoji="0" lang="ko-KR" altLang="en-US" sz="1800" b="0" i="0" u="none" strike="noStrike" kern="0" cap="none" spc="0" normalizeH="0" baseline="0" noProof="0">
-                  <a:ln>
-                    <a:noFill/>
-                  </a:ln>
-                  <a:solidFill>
-                    <a:sysClr val="windowText" lastClr="000000"/>
-                  </a:solidFill>
-                  <a:effectLst/>
-                  <a:uLnTx/>
-                  <a:uFillTx/>
-                </a:endParaRPr>
-              </a:p>
-            </p:txBody>
-          </p:sp>
-          <p:sp>
-            <p:nvSpPr>
-              <p:cNvPr id="2248" name="Freeform 1250"/>
-              <p:cNvSpPr>
-                <a:spLocks/>
-              </p:cNvSpPr>
-              <p:nvPr/>
-            </p:nvSpPr>
-            <p:spPr bwMode="auto">
-              <a:xfrm>
-                <a:off x="6189663" y="3111500"/>
-                <a:ext cx="52388" cy="52387"/>
-              </a:xfrm>
-              <a:custGeom>
-                <a:avLst/>
-                <a:gdLst>
-                  <a:gd name="T0" fmla="*/ 50 w 99"/>
-                  <a:gd name="T1" fmla="*/ 0 h 99"/>
-                  <a:gd name="T2" fmla="*/ 63 w 99"/>
-                  <a:gd name="T3" fmla="*/ 2 h 99"/>
-                  <a:gd name="T4" fmla="*/ 74 w 99"/>
-                  <a:gd name="T5" fmla="*/ 7 h 99"/>
-                  <a:gd name="T6" fmla="*/ 85 w 99"/>
-                  <a:gd name="T7" fmla="*/ 14 h 99"/>
-                  <a:gd name="T8" fmla="*/ 94 w 99"/>
-                  <a:gd name="T9" fmla="*/ 25 h 99"/>
-                  <a:gd name="T10" fmla="*/ 98 w 99"/>
-                  <a:gd name="T11" fmla="*/ 36 h 99"/>
-                  <a:gd name="T12" fmla="*/ 99 w 99"/>
-                  <a:gd name="T13" fmla="*/ 50 h 99"/>
-                  <a:gd name="T14" fmla="*/ 98 w 99"/>
-                  <a:gd name="T15" fmla="*/ 63 h 99"/>
-                  <a:gd name="T16" fmla="*/ 94 w 99"/>
-                  <a:gd name="T17" fmla="*/ 74 h 99"/>
-                  <a:gd name="T18" fmla="*/ 85 w 99"/>
-                  <a:gd name="T19" fmla="*/ 85 h 99"/>
-                  <a:gd name="T20" fmla="*/ 75 w 99"/>
-                  <a:gd name="T21" fmla="*/ 92 h 99"/>
-                  <a:gd name="T22" fmla="*/ 63 w 99"/>
-                  <a:gd name="T23" fmla="*/ 98 h 99"/>
-                  <a:gd name="T24" fmla="*/ 50 w 99"/>
-                  <a:gd name="T25" fmla="*/ 99 h 99"/>
-                  <a:gd name="T26" fmla="*/ 38 w 99"/>
-                  <a:gd name="T27" fmla="*/ 98 h 99"/>
-                  <a:gd name="T28" fmla="*/ 25 w 99"/>
-                  <a:gd name="T29" fmla="*/ 92 h 99"/>
-                  <a:gd name="T30" fmla="*/ 16 w 99"/>
-                  <a:gd name="T31" fmla="*/ 85 h 99"/>
-                  <a:gd name="T32" fmla="*/ 7 w 99"/>
-                  <a:gd name="T33" fmla="*/ 74 h 99"/>
-                  <a:gd name="T34" fmla="*/ 3 w 99"/>
-                  <a:gd name="T35" fmla="*/ 63 h 99"/>
-                  <a:gd name="T36" fmla="*/ 0 w 99"/>
-                  <a:gd name="T37" fmla="*/ 50 h 99"/>
-                  <a:gd name="T38" fmla="*/ 3 w 99"/>
-                  <a:gd name="T39" fmla="*/ 36 h 99"/>
-                  <a:gd name="T40" fmla="*/ 7 w 99"/>
-                  <a:gd name="T41" fmla="*/ 25 h 99"/>
-                  <a:gd name="T42" fmla="*/ 16 w 99"/>
-                  <a:gd name="T43" fmla="*/ 14 h 99"/>
-                  <a:gd name="T44" fmla="*/ 25 w 99"/>
-                  <a:gd name="T45" fmla="*/ 7 h 99"/>
-                  <a:gd name="T46" fmla="*/ 38 w 99"/>
-                  <a:gd name="T47" fmla="*/ 2 h 99"/>
-                  <a:gd name="T48" fmla="*/ 50 w 99"/>
-                  <a:gd name="T49" fmla="*/ 0 h 99"/>
-                </a:gdLst>
-                <a:ahLst/>
-                <a:cxnLst>
-                  <a:cxn ang="0">
-                    <a:pos x="T0" y="T1"/>
-                  </a:cxn>
-                  <a:cxn ang="0">
-                    <a:pos x="T2" y="T3"/>
-                  </a:cxn>
-                  <a:cxn ang="0">
-                    <a:pos x="T4" y="T5"/>
-                  </a:cxn>
-                  <a:cxn ang="0">
-                    <a:pos x="T6" y="T7"/>
-                  </a:cxn>
-                  <a:cxn ang="0">
-                    <a:pos x="T8" y="T9"/>
-                  </a:cxn>
-                  <a:cxn ang="0">
-                    <a:pos x="T10" y="T11"/>
-                  </a:cxn>
-                  <a:cxn ang="0">
-                    <a:pos x="T12" y="T13"/>
-                  </a:cxn>
-                  <a:cxn ang="0">
-                    <a:pos x="T14" y="T15"/>
-                  </a:cxn>
-                  <a:cxn ang="0">
-                    <a:pos x="T16" y="T17"/>
-                  </a:cxn>
-                  <a:cxn ang="0">
-                    <a:pos x="T18" y="T19"/>
-                  </a:cxn>
-                  <a:cxn ang="0">
-                    <a:pos x="T20" y="T21"/>
-                  </a:cxn>
-                  <a:cxn ang="0">
-                    <a:pos x="T22" y="T23"/>
-                  </a:cxn>
-                  <a:cxn ang="0">
-                    <a:pos x="T24" y="T25"/>
-                  </a:cxn>
-                  <a:cxn ang="0">
-                    <a:pos x="T26" y="T27"/>
-                  </a:cxn>
-                  <a:cxn ang="0">
-                    <a:pos x="T28" y="T29"/>
-                  </a:cxn>
-                  <a:cxn ang="0">
-                    <a:pos x="T30" y="T31"/>
-                  </a:cxn>
-                  <a:cxn ang="0">
-                    <a:pos x="T32" y="T33"/>
-                  </a:cxn>
-                  <a:cxn ang="0">
-                    <a:pos x="T34" y="T35"/>
-                  </a:cxn>
-                  <a:cxn ang="0">
-                    <a:pos x="T36" y="T37"/>
-                  </a:cxn>
-                  <a:cxn ang="0">
-                    <a:pos x="T38" y="T39"/>
-                  </a:cxn>
-                  <a:cxn ang="0">
-                    <a:pos x="T40" y="T41"/>
-                  </a:cxn>
-                  <a:cxn ang="0">
-                    <a:pos x="T42" y="T43"/>
-                  </a:cxn>
-                  <a:cxn ang="0">
-                    <a:pos x="T44" y="T45"/>
-                  </a:cxn>
-                  <a:cxn ang="0">
-                    <a:pos x="T46" y="T47"/>
-                  </a:cxn>
-                  <a:cxn ang="0">
-                    <a:pos x="T48" y="T49"/>
-                  </a:cxn>
-                </a:cxnLst>
-                <a:rect l="0" t="0" r="r" b="b"/>
-                <a:pathLst>
-                  <a:path w="99" h="99">
-                    <a:moveTo>
-                      <a:pt x="50" y="0"/>
-                    </a:moveTo>
-                    <a:lnTo>
-                      <a:pt x="63" y="2"/>
-                    </a:lnTo>
-                    <a:lnTo>
-                      <a:pt x="74" y="7"/>
-                    </a:lnTo>
-                    <a:lnTo>
-                      <a:pt x="85" y="14"/>
-                    </a:lnTo>
-                    <a:lnTo>
-                      <a:pt x="94" y="25"/>
-                    </a:lnTo>
-                    <a:lnTo>
-                      <a:pt x="98" y="36"/>
-                    </a:lnTo>
-                    <a:lnTo>
-                      <a:pt x="99" y="50"/>
-                    </a:lnTo>
-                    <a:lnTo>
-                      <a:pt x="98" y="63"/>
-                    </a:lnTo>
-                    <a:lnTo>
-                      <a:pt x="94" y="74"/>
-                    </a:lnTo>
-                    <a:lnTo>
-                      <a:pt x="85" y="85"/>
-                    </a:lnTo>
-                    <a:lnTo>
-                      <a:pt x="75" y="92"/>
-                    </a:lnTo>
-                    <a:lnTo>
-                      <a:pt x="63" y="98"/>
-                    </a:lnTo>
-                    <a:lnTo>
-                      <a:pt x="50" y="99"/>
-                    </a:lnTo>
-                    <a:lnTo>
-                      <a:pt x="38" y="98"/>
-                    </a:lnTo>
-                    <a:lnTo>
-                      <a:pt x="25" y="92"/>
-                    </a:lnTo>
-                    <a:lnTo>
-                      <a:pt x="16" y="85"/>
-                    </a:lnTo>
-                    <a:lnTo>
-                      <a:pt x="7" y="74"/>
-                    </a:lnTo>
-                    <a:lnTo>
-                      <a:pt x="3" y="63"/>
-                    </a:lnTo>
-                    <a:lnTo>
-                      <a:pt x="0" y="50"/>
-                    </a:lnTo>
-                    <a:lnTo>
-                      <a:pt x="3" y="36"/>
-                    </a:lnTo>
-                    <a:lnTo>
-                      <a:pt x="7" y="25"/>
-                    </a:lnTo>
-                    <a:lnTo>
-                      <a:pt x="16" y="14"/>
-                    </a:lnTo>
-                    <a:lnTo>
-                      <a:pt x="25" y="7"/>
-                    </a:lnTo>
-                    <a:lnTo>
-                      <a:pt x="38" y="2"/>
-                    </a:lnTo>
-                    <a:lnTo>
-                      <a:pt x="50" y="0"/>
-                    </a:lnTo>
-                    <a:close/>
-                  </a:path>
-                </a:pathLst>
-              </a:custGeom>
-              <a:grpFill/>
-              <a:ln w="0">
-                <a:noFill/>
-                <a:prstDash val="solid"/>
-                <a:round/>
-                <a:headEnd/>
-                <a:tailEnd/>
-              </a:ln>
-            </p:spPr>
-            <p:txBody>
-              <a:bodyPr vert="horz" wrap="square" lIns="91440" tIns="45720" rIns="91440" bIns="45720" numCol="1" anchor="t" anchorCtr="0" compatLnSpc="1">
-                <a:prstTxWarp prst="textNoShape">
-                  <a:avLst/>
-                </a:prstTxWarp>
-              </a:bodyPr>
-              <a:lstStyle/>
-              <a:p>
-                <a:pPr marL="0" marR="0" lvl="0" indent="0" defTabSz="914400" eaLnBrk="1" fontAlgn="auto" latinLnBrk="0" hangingPunct="1">
-                  <a:lnSpc>
-                    <a:spcPct val="100000"/>
-                  </a:lnSpc>
-                  <a:spcBef>
-                    <a:spcPts val="0"/>
-                  </a:spcBef>
-                  <a:spcAft>
-                    <a:spcPts val="0"/>
-                  </a:spcAft>
-                  <a:buClrTx/>
-                  <a:buSzTx/>
-                  <a:buFontTx/>
-                  <a:buNone/>
-                  <a:tabLst/>
-                  <a:defRPr/>
-                </a:pPr>
-                <a:endParaRPr kumimoji="0" lang="ko-KR" altLang="en-US" sz="1800" b="0" i="0" u="none" strike="noStrike" kern="0" cap="none" spc="0" normalizeH="0" baseline="0" noProof="0">
-                  <a:ln>
-                    <a:noFill/>
-                  </a:ln>
-                  <a:solidFill>
-                    <a:sysClr val="windowText" lastClr="000000"/>
-                  </a:solidFill>
-                  <a:effectLst/>
-                  <a:uLnTx/>
-                  <a:uFillTx/>
-                </a:endParaRPr>
-              </a:p>
-            </p:txBody>
-          </p:sp>
-          <p:sp>
-            <p:nvSpPr>
-              <p:cNvPr id="2249" name="Freeform 1251"/>
-              <p:cNvSpPr>
-                <a:spLocks/>
-              </p:cNvSpPr>
-              <p:nvPr/>
-            </p:nvSpPr>
-            <p:spPr bwMode="auto">
-              <a:xfrm>
-                <a:off x="6303963" y="3354388"/>
-                <a:ext cx="41275" cy="41275"/>
-              </a:xfrm>
-              <a:custGeom>
-                <a:avLst/>
-                <a:gdLst>
-                  <a:gd name="T0" fmla="*/ 39 w 79"/>
-                  <a:gd name="T1" fmla="*/ 0 h 80"/>
-                  <a:gd name="T2" fmla="*/ 54 w 79"/>
-                  <a:gd name="T3" fmla="*/ 3 h 80"/>
-                  <a:gd name="T4" fmla="*/ 68 w 79"/>
-                  <a:gd name="T5" fmla="*/ 12 h 80"/>
-                  <a:gd name="T6" fmla="*/ 77 w 79"/>
-                  <a:gd name="T7" fmla="*/ 24 h 80"/>
-                  <a:gd name="T8" fmla="*/ 79 w 79"/>
-                  <a:gd name="T9" fmla="*/ 39 h 80"/>
-                  <a:gd name="T10" fmla="*/ 77 w 79"/>
-                  <a:gd name="T11" fmla="*/ 55 h 80"/>
-                  <a:gd name="T12" fmla="*/ 68 w 79"/>
-                  <a:gd name="T13" fmla="*/ 67 h 80"/>
-                  <a:gd name="T14" fmla="*/ 54 w 79"/>
-                  <a:gd name="T15" fmla="*/ 77 h 80"/>
-                  <a:gd name="T16" fmla="*/ 39 w 79"/>
-                  <a:gd name="T17" fmla="*/ 80 h 80"/>
-                  <a:gd name="T18" fmla="*/ 25 w 79"/>
-                  <a:gd name="T19" fmla="*/ 77 h 80"/>
-                  <a:gd name="T20" fmla="*/ 11 w 79"/>
-                  <a:gd name="T21" fmla="*/ 67 h 80"/>
-                  <a:gd name="T22" fmla="*/ 3 w 79"/>
-                  <a:gd name="T23" fmla="*/ 55 h 80"/>
-                  <a:gd name="T24" fmla="*/ 0 w 79"/>
-                  <a:gd name="T25" fmla="*/ 39 h 80"/>
-                  <a:gd name="T26" fmla="*/ 3 w 79"/>
-                  <a:gd name="T27" fmla="*/ 24 h 80"/>
-                  <a:gd name="T28" fmla="*/ 11 w 79"/>
-                  <a:gd name="T29" fmla="*/ 12 h 80"/>
-                  <a:gd name="T30" fmla="*/ 25 w 79"/>
-                  <a:gd name="T31" fmla="*/ 3 h 80"/>
-                  <a:gd name="T32" fmla="*/ 39 w 79"/>
-                  <a:gd name="T33" fmla="*/ 0 h 80"/>
-                </a:gdLst>
-                <a:ahLst/>
-                <a:cxnLst>
-                  <a:cxn ang="0">
-                    <a:pos x="T0" y="T1"/>
-                  </a:cxn>
-                  <a:cxn ang="0">
-                    <a:pos x="T2" y="T3"/>
-                  </a:cxn>
-                  <a:cxn ang="0">
-                    <a:pos x="T4" y="T5"/>
-                  </a:cxn>
-                  <a:cxn ang="0">
-                    <a:pos x="T6" y="T7"/>
-                  </a:cxn>
-                  <a:cxn ang="0">
-                    <a:pos x="T8" y="T9"/>
-                  </a:cxn>
-                  <a:cxn ang="0">
-                    <a:pos x="T10" y="T11"/>
-                  </a:cxn>
-                  <a:cxn ang="0">
-                    <a:pos x="T12" y="T13"/>
-                  </a:cxn>
-                  <a:cxn ang="0">
-                    <a:pos x="T14" y="T15"/>
-                  </a:cxn>
-                  <a:cxn ang="0">
-                    <a:pos x="T16" y="T17"/>
-                  </a:cxn>
-                  <a:cxn ang="0">
-                    <a:pos x="T18" y="T19"/>
-                  </a:cxn>
-                  <a:cxn ang="0">
-                    <a:pos x="T20" y="T21"/>
-                  </a:cxn>
-                  <a:cxn ang="0">
-                    <a:pos x="T22" y="T23"/>
-                  </a:cxn>
-                  <a:cxn ang="0">
-                    <a:pos x="T24" y="T25"/>
-                  </a:cxn>
-                  <a:cxn ang="0">
-                    <a:pos x="T26" y="T27"/>
-                  </a:cxn>
-                  <a:cxn ang="0">
-                    <a:pos x="T28" y="T29"/>
-                  </a:cxn>
-                  <a:cxn ang="0">
-                    <a:pos x="T30" y="T31"/>
-                  </a:cxn>
-                  <a:cxn ang="0">
-                    <a:pos x="T32" y="T33"/>
-                  </a:cxn>
-                </a:cxnLst>
-                <a:rect l="0" t="0" r="r" b="b"/>
-                <a:pathLst>
-                  <a:path w="79" h="80">
-                    <a:moveTo>
-                      <a:pt x="39" y="0"/>
-                    </a:moveTo>
-                    <a:lnTo>
-                      <a:pt x="54" y="3"/>
-                    </a:lnTo>
-                    <a:lnTo>
-                      <a:pt x="68" y="12"/>
-                    </a:lnTo>
-                    <a:lnTo>
-                      <a:pt x="77" y="24"/>
-                    </a:lnTo>
-                    <a:lnTo>
-                      <a:pt x="79" y="39"/>
-                    </a:lnTo>
-                    <a:lnTo>
-                      <a:pt x="77" y="55"/>
-                    </a:lnTo>
-                    <a:lnTo>
-                      <a:pt x="68" y="67"/>
-                    </a:lnTo>
-                    <a:lnTo>
-                      <a:pt x="54" y="77"/>
-                    </a:lnTo>
-                    <a:lnTo>
-                      <a:pt x="39" y="80"/>
-                    </a:lnTo>
-                    <a:lnTo>
-                      <a:pt x="25" y="77"/>
-                    </a:lnTo>
-                    <a:lnTo>
-                      <a:pt x="11" y="67"/>
-                    </a:lnTo>
-                    <a:lnTo>
-                      <a:pt x="3" y="55"/>
-                    </a:lnTo>
-                    <a:lnTo>
-                      <a:pt x="0" y="39"/>
-                    </a:lnTo>
-                    <a:lnTo>
-                      <a:pt x="3" y="24"/>
-                    </a:lnTo>
-                    <a:lnTo>
-                      <a:pt x="11" y="12"/>
-                    </a:lnTo>
-                    <a:lnTo>
-                      <a:pt x="25" y="3"/>
-                    </a:lnTo>
-                    <a:lnTo>
-                      <a:pt x="39" y="0"/>
-                    </a:lnTo>
-                    <a:close/>
-                  </a:path>
-                </a:pathLst>
-              </a:custGeom>
-              <a:grpFill/>
-              <a:ln w="0">
-                <a:noFill/>
-                <a:prstDash val="solid"/>
-                <a:round/>
-                <a:headEnd/>
-                <a:tailEnd/>
-              </a:ln>
-            </p:spPr>
-            <p:txBody>
-              <a:bodyPr vert="horz" wrap="square" lIns="91440" tIns="45720" rIns="91440" bIns="45720" numCol="1" anchor="t" anchorCtr="0" compatLnSpc="1">
-                <a:prstTxWarp prst="textNoShape">
-                  <a:avLst/>
-                </a:prstTxWarp>
-              </a:bodyPr>
-              <a:lstStyle/>
-              <a:p>
-                <a:pPr marL="0" marR="0" lvl="0" indent="0" defTabSz="914400" eaLnBrk="1" fontAlgn="auto" latinLnBrk="0" hangingPunct="1">
-                  <a:lnSpc>
-                    <a:spcPct val="100000"/>
-                  </a:lnSpc>
-                  <a:spcBef>
-                    <a:spcPts val="0"/>
-                  </a:spcBef>
-                  <a:spcAft>
-                    <a:spcPts val="0"/>
-                  </a:spcAft>
-                  <a:buClrTx/>
-                  <a:buSzTx/>
-                  <a:buFontTx/>
-                  <a:buNone/>
-                  <a:tabLst/>
-                  <a:defRPr/>
-                </a:pPr>
-                <a:endParaRPr kumimoji="0" lang="ko-KR" altLang="en-US" sz="1800" b="0" i="0" u="none" strike="noStrike" kern="0" cap="none" spc="0" normalizeH="0" baseline="0" noProof="0">
-                  <a:ln>
-                    <a:noFill/>
-                  </a:ln>
-                  <a:solidFill>
-                    <a:sysClr val="windowText" lastClr="000000"/>
-                  </a:solidFill>
-                  <a:effectLst/>
-                  <a:uLnTx/>
-                  <a:uFillTx/>
-                </a:endParaRPr>
-              </a:p>
-            </p:txBody>
-          </p:sp>
-          <p:sp>
-            <p:nvSpPr>
-              <p:cNvPr id="2250" name="Freeform 1252"/>
-              <p:cNvSpPr>
-                <a:spLocks/>
-              </p:cNvSpPr>
-              <p:nvPr/>
-            </p:nvSpPr>
-            <p:spPr bwMode="auto">
-              <a:xfrm>
-                <a:off x="6408738" y="3354388"/>
-                <a:ext cx="41275" cy="41275"/>
-              </a:xfrm>
-              <a:custGeom>
-                <a:avLst/>
-                <a:gdLst>
-                  <a:gd name="T0" fmla="*/ 39 w 78"/>
-                  <a:gd name="T1" fmla="*/ 0 h 80"/>
-                  <a:gd name="T2" fmla="*/ 55 w 78"/>
-                  <a:gd name="T3" fmla="*/ 3 h 80"/>
-                  <a:gd name="T4" fmla="*/ 67 w 78"/>
-                  <a:gd name="T5" fmla="*/ 12 h 80"/>
-                  <a:gd name="T6" fmla="*/ 75 w 78"/>
-                  <a:gd name="T7" fmla="*/ 25 h 80"/>
-                  <a:gd name="T8" fmla="*/ 78 w 78"/>
-                  <a:gd name="T9" fmla="*/ 39 h 80"/>
-                  <a:gd name="T10" fmla="*/ 75 w 78"/>
-                  <a:gd name="T11" fmla="*/ 55 h 80"/>
-                  <a:gd name="T12" fmla="*/ 67 w 78"/>
-                  <a:gd name="T13" fmla="*/ 67 h 80"/>
-                  <a:gd name="T14" fmla="*/ 55 w 78"/>
-                  <a:gd name="T15" fmla="*/ 77 h 80"/>
-                  <a:gd name="T16" fmla="*/ 39 w 78"/>
-                  <a:gd name="T17" fmla="*/ 80 h 80"/>
-                  <a:gd name="T18" fmla="*/ 24 w 78"/>
-                  <a:gd name="T19" fmla="*/ 77 h 80"/>
-                  <a:gd name="T20" fmla="*/ 11 w 78"/>
-                  <a:gd name="T21" fmla="*/ 67 h 80"/>
-                  <a:gd name="T22" fmla="*/ 3 w 78"/>
-                  <a:gd name="T23" fmla="*/ 55 h 80"/>
-                  <a:gd name="T24" fmla="*/ 0 w 78"/>
-                  <a:gd name="T25" fmla="*/ 39 h 80"/>
-                  <a:gd name="T26" fmla="*/ 3 w 78"/>
-                  <a:gd name="T27" fmla="*/ 25 h 80"/>
-                  <a:gd name="T28" fmla="*/ 11 w 78"/>
-                  <a:gd name="T29" fmla="*/ 12 h 80"/>
-                  <a:gd name="T30" fmla="*/ 24 w 78"/>
-                  <a:gd name="T31" fmla="*/ 3 h 80"/>
-                  <a:gd name="T32" fmla="*/ 39 w 78"/>
-                  <a:gd name="T33" fmla="*/ 0 h 80"/>
-                </a:gdLst>
-                <a:ahLst/>
-                <a:cxnLst>
-                  <a:cxn ang="0">
-                    <a:pos x="T0" y="T1"/>
-                  </a:cxn>
-                  <a:cxn ang="0">
-                    <a:pos x="T2" y="T3"/>
-                  </a:cxn>
-                  <a:cxn ang="0">
-                    <a:pos x="T4" y="T5"/>
-                  </a:cxn>
-                  <a:cxn ang="0">
-                    <a:pos x="T6" y="T7"/>
-                  </a:cxn>
-                  <a:cxn ang="0">
-                    <a:pos x="T8" y="T9"/>
-                  </a:cxn>
-                  <a:cxn ang="0">
-                    <a:pos x="T10" y="T11"/>
-                  </a:cxn>
-                  <a:cxn ang="0">
-                    <a:pos x="T12" y="T13"/>
-                  </a:cxn>
-                  <a:cxn ang="0">
-                    <a:pos x="T14" y="T15"/>
-                  </a:cxn>
-                  <a:cxn ang="0">
-                    <a:pos x="T16" y="T17"/>
-                  </a:cxn>
-                  <a:cxn ang="0">
-                    <a:pos x="T18" y="T19"/>
-                  </a:cxn>
-                  <a:cxn ang="0">
-                    <a:pos x="T20" y="T21"/>
-                  </a:cxn>
-                  <a:cxn ang="0">
-                    <a:pos x="T22" y="T23"/>
-                  </a:cxn>
-                  <a:cxn ang="0">
-                    <a:pos x="T24" y="T25"/>
-                  </a:cxn>
-                  <a:cxn ang="0">
-                    <a:pos x="T26" y="T27"/>
-                  </a:cxn>
-                  <a:cxn ang="0">
-                    <a:pos x="T28" y="T29"/>
-                  </a:cxn>
-                  <a:cxn ang="0">
-                    <a:pos x="T30" y="T31"/>
-                  </a:cxn>
-                  <a:cxn ang="0">
-                    <a:pos x="T32" y="T33"/>
-                  </a:cxn>
-                </a:cxnLst>
-                <a:rect l="0" t="0" r="r" b="b"/>
-                <a:pathLst>
-                  <a:path w="78" h="80">
-                    <a:moveTo>
-                      <a:pt x="39" y="0"/>
-                    </a:moveTo>
-                    <a:lnTo>
-                      <a:pt x="55" y="3"/>
-                    </a:lnTo>
-                    <a:lnTo>
-                      <a:pt x="67" y="12"/>
-                    </a:lnTo>
-                    <a:lnTo>
-                      <a:pt x="75" y="25"/>
-                    </a:lnTo>
-                    <a:lnTo>
-                      <a:pt x="78" y="39"/>
-                    </a:lnTo>
-                    <a:lnTo>
-                      <a:pt x="75" y="55"/>
-                    </a:lnTo>
-                    <a:lnTo>
-                      <a:pt x="67" y="67"/>
-                    </a:lnTo>
-                    <a:lnTo>
-                      <a:pt x="55" y="77"/>
-                    </a:lnTo>
-                    <a:lnTo>
-                      <a:pt x="39" y="80"/>
-                    </a:lnTo>
-                    <a:lnTo>
-                      <a:pt x="24" y="77"/>
-                    </a:lnTo>
-                    <a:lnTo>
-                      <a:pt x="11" y="67"/>
-                    </a:lnTo>
-                    <a:lnTo>
-                      <a:pt x="3" y="55"/>
-                    </a:lnTo>
-                    <a:lnTo>
-                      <a:pt x="0" y="39"/>
-                    </a:lnTo>
-                    <a:lnTo>
-                      <a:pt x="3" y="25"/>
-                    </a:lnTo>
-                    <a:lnTo>
-                      <a:pt x="11" y="12"/>
-                    </a:lnTo>
-                    <a:lnTo>
-                      <a:pt x="24" y="3"/>
-                    </a:lnTo>
-                    <a:lnTo>
-                      <a:pt x="39" y="0"/>
-                    </a:lnTo>
-                    <a:close/>
-                  </a:path>
-                </a:pathLst>
-              </a:custGeom>
-              <a:grpFill/>
-              <a:ln w="0">
-                <a:noFill/>
-                <a:prstDash val="solid"/>
-                <a:round/>
-                <a:headEnd/>
-                <a:tailEnd/>
-              </a:ln>
-            </p:spPr>
-            <p:txBody>
-              <a:bodyPr vert="horz" wrap="square" lIns="91440" tIns="45720" rIns="91440" bIns="45720" numCol="1" anchor="t" anchorCtr="0" compatLnSpc="1">
-                <a:prstTxWarp prst="textNoShape">
-                  <a:avLst/>
-                </a:prstTxWarp>
-              </a:bodyPr>
-              <a:lstStyle/>
-              <a:p>
-                <a:pPr marL="0" marR="0" lvl="0" indent="0" defTabSz="914400" eaLnBrk="1" fontAlgn="auto" latinLnBrk="0" hangingPunct="1">
-                  <a:lnSpc>
-                    <a:spcPct val="100000"/>
-                  </a:lnSpc>
-                  <a:spcBef>
-                    <a:spcPts val="0"/>
-                  </a:spcBef>
-                  <a:spcAft>
-                    <a:spcPts val="0"/>
-                  </a:spcAft>
-                  <a:buClrTx/>
-                  <a:buSzTx/>
-                  <a:buFontTx/>
-                  <a:buNone/>
-                  <a:tabLst/>
-                  <a:defRPr/>
-                </a:pPr>
-                <a:endParaRPr kumimoji="0" lang="ko-KR" altLang="en-US" sz="1800" b="0" i="0" u="none" strike="noStrike" kern="0" cap="none" spc="0" normalizeH="0" baseline="0" noProof="0">
-                  <a:ln>
-                    <a:noFill/>
-                  </a:ln>
-                  <a:solidFill>
-                    <a:sysClr val="windowText" lastClr="000000"/>
-                  </a:solidFill>
-                  <a:effectLst/>
-                  <a:uLnTx/>
-                  <a:uFillTx/>
-                </a:endParaRPr>
-              </a:p>
-            </p:txBody>
-          </p:sp>
-          <p:sp>
-            <p:nvSpPr>
-              <p:cNvPr id="2251" name="Freeform 1253"/>
-              <p:cNvSpPr>
-                <a:spLocks/>
-              </p:cNvSpPr>
-              <p:nvPr/>
-            </p:nvSpPr>
-            <p:spPr bwMode="auto">
-              <a:xfrm>
-                <a:off x="6505576" y="3111500"/>
-                <a:ext cx="52388" cy="52387"/>
-              </a:xfrm>
-              <a:custGeom>
-                <a:avLst/>
-                <a:gdLst>
-                  <a:gd name="T0" fmla="*/ 50 w 99"/>
-                  <a:gd name="T1" fmla="*/ 0 h 99"/>
-                  <a:gd name="T2" fmla="*/ 63 w 99"/>
-                  <a:gd name="T3" fmla="*/ 2 h 99"/>
-                  <a:gd name="T4" fmla="*/ 74 w 99"/>
-                  <a:gd name="T5" fmla="*/ 7 h 99"/>
-                  <a:gd name="T6" fmla="*/ 85 w 99"/>
-                  <a:gd name="T7" fmla="*/ 14 h 99"/>
-                  <a:gd name="T8" fmla="*/ 95 w 99"/>
-                  <a:gd name="T9" fmla="*/ 31 h 99"/>
-                  <a:gd name="T10" fmla="*/ 99 w 99"/>
-                  <a:gd name="T11" fmla="*/ 50 h 99"/>
-                  <a:gd name="T12" fmla="*/ 95 w 99"/>
-                  <a:gd name="T13" fmla="*/ 69 h 99"/>
-                  <a:gd name="T14" fmla="*/ 85 w 99"/>
-                  <a:gd name="T15" fmla="*/ 85 h 99"/>
-                  <a:gd name="T16" fmla="*/ 74 w 99"/>
-                  <a:gd name="T17" fmla="*/ 92 h 99"/>
-                  <a:gd name="T18" fmla="*/ 63 w 99"/>
-                  <a:gd name="T19" fmla="*/ 98 h 99"/>
-                  <a:gd name="T20" fmla="*/ 50 w 99"/>
-                  <a:gd name="T21" fmla="*/ 99 h 99"/>
-                  <a:gd name="T22" fmla="*/ 37 w 99"/>
-                  <a:gd name="T23" fmla="*/ 98 h 99"/>
-                  <a:gd name="T24" fmla="*/ 25 w 99"/>
-                  <a:gd name="T25" fmla="*/ 92 h 99"/>
-                  <a:gd name="T26" fmla="*/ 16 w 99"/>
-                  <a:gd name="T27" fmla="*/ 85 h 99"/>
-                  <a:gd name="T28" fmla="*/ 5 w 99"/>
-                  <a:gd name="T29" fmla="*/ 69 h 99"/>
-                  <a:gd name="T30" fmla="*/ 0 w 99"/>
-                  <a:gd name="T31" fmla="*/ 50 h 99"/>
-                  <a:gd name="T32" fmla="*/ 5 w 99"/>
-                  <a:gd name="T33" fmla="*/ 31 h 99"/>
-                  <a:gd name="T34" fmla="*/ 16 w 99"/>
-                  <a:gd name="T35" fmla="*/ 14 h 99"/>
-                  <a:gd name="T36" fmla="*/ 25 w 99"/>
-                  <a:gd name="T37" fmla="*/ 7 h 99"/>
-                  <a:gd name="T38" fmla="*/ 37 w 99"/>
-                  <a:gd name="T39" fmla="*/ 2 h 99"/>
-                  <a:gd name="T40" fmla="*/ 50 w 99"/>
-                  <a:gd name="T41" fmla="*/ 0 h 99"/>
-                </a:gdLst>
-                <a:ahLst/>
-                <a:cxnLst>
-                  <a:cxn ang="0">
-                    <a:pos x="T0" y="T1"/>
-                  </a:cxn>
-                  <a:cxn ang="0">
-                    <a:pos x="T2" y="T3"/>
-                  </a:cxn>
-                  <a:cxn ang="0">
-                    <a:pos x="T4" y="T5"/>
-                  </a:cxn>
-                  <a:cxn ang="0">
-                    <a:pos x="T6" y="T7"/>
-                  </a:cxn>
-                  <a:cxn ang="0">
-                    <a:pos x="T8" y="T9"/>
-                  </a:cxn>
-                  <a:cxn ang="0">
-                    <a:pos x="T10" y="T11"/>
-                  </a:cxn>
-                  <a:cxn ang="0">
-                    <a:pos x="T12" y="T13"/>
-                  </a:cxn>
-                  <a:cxn ang="0">
-                    <a:pos x="T14" y="T15"/>
-                  </a:cxn>
-                  <a:cxn ang="0">
-                    <a:pos x="T16" y="T17"/>
-                  </a:cxn>
-                  <a:cxn ang="0">
-                    <a:pos x="T18" y="T19"/>
-                  </a:cxn>
-                  <a:cxn ang="0">
-                    <a:pos x="T20" y="T21"/>
-                  </a:cxn>
-                  <a:cxn ang="0">
-                    <a:pos x="T22" y="T23"/>
-                  </a:cxn>
-                  <a:cxn ang="0">
-                    <a:pos x="T24" y="T25"/>
-                  </a:cxn>
-                  <a:cxn ang="0">
-                    <a:pos x="T26" y="T27"/>
-                  </a:cxn>
-                  <a:cxn ang="0">
-                    <a:pos x="T28" y="T29"/>
-                  </a:cxn>
-                  <a:cxn ang="0">
-                    <a:pos x="T30" y="T31"/>
-                  </a:cxn>
-                  <a:cxn ang="0">
-                    <a:pos x="T32" y="T33"/>
-                  </a:cxn>
-                  <a:cxn ang="0">
-                    <a:pos x="T34" y="T35"/>
-                  </a:cxn>
-                  <a:cxn ang="0">
-                    <a:pos x="T36" y="T37"/>
-                  </a:cxn>
-                  <a:cxn ang="0">
-                    <a:pos x="T38" y="T39"/>
-                  </a:cxn>
-                  <a:cxn ang="0">
-                    <a:pos x="T40" y="T41"/>
-                  </a:cxn>
-                </a:cxnLst>
-                <a:rect l="0" t="0" r="r" b="b"/>
-                <a:pathLst>
-                  <a:path w="99" h="99">
-                    <a:moveTo>
-                      <a:pt x="50" y="0"/>
-                    </a:moveTo>
-                    <a:lnTo>
-                      <a:pt x="63" y="2"/>
-                    </a:lnTo>
-                    <a:lnTo>
-                      <a:pt x="74" y="7"/>
-                    </a:lnTo>
-                    <a:lnTo>
-                      <a:pt x="85" y="14"/>
-                    </a:lnTo>
-                    <a:lnTo>
-                      <a:pt x="95" y="31"/>
-                    </a:lnTo>
-                    <a:lnTo>
-                      <a:pt x="99" y="50"/>
-                    </a:lnTo>
-                    <a:lnTo>
-                      <a:pt x="95" y="69"/>
-                    </a:lnTo>
-                    <a:lnTo>
-                      <a:pt x="85" y="85"/>
-                    </a:lnTo>
-                    <a:lnTo>
-                      <a:pt x="74" y="92"/>
-                    </a:lnTo>
-                    <a:lnTo>
-                      <a:pt x="63" y="98"/>
-                    </a:lnTo>
-                    <a:lnTo>
-                      <a:pt x="50" y="99"/>
-                    </a:lnTo>
-                    <a:lnTo>
-                      <a:pt x="37" y="98"/>
-                    </a:lnTo>
-                    <a:lnTo>
-                      <a:pt x="25" y="92"/>
-                    </a:lnTo>
-                    <a:lnTo>
-                      <a:pt x="16" y="85"/>
-                    </a:lnTo>
-                    <a:lnTo>
-                      <a:pt x="5" y="69"/>
-                    </a:lnTo>
-                    <a:lnTo>
-                      <a:pt x="0" y="50"/>
-                    </a:lnTo>
-                    <a:lnTo>
-                      <a:pt x="5" y="31"/>
-                    </a:lnTo>
-                    <a:lnTo>
-                      <a:pt x="16" y="14"/>
-                    </a:lnTo>
-                    <a:lnTo>
-                      <a:pt x="25" y="7"/>
-                    </a:lnTo>
-                    <a:lnTo>
-                      <a:pt x="37" y="2"/>
-                    </a:lnTo>
-                    <a:lnTo>
-                      <a:pt x="50" y="0"/>
-                    </a:lnTo>
-                    <a:close/>
-                  </a:path>
-                </a:pathLst>
-              </a:custGeom>
-              <a:grpFill/>
-              <a:ln w="0">
-                <a:noFill/>
-                <a:prstDash val="solid"/>
-                <a:round/>
-                <a:headEnd/>
-                <a:tailEnd/>
-              </a:ln>
-            </p:spPr>
-            <p:txBody>
-              <a:bodyPr vert="horz" wrap="square" lIns="91440" tIns="45720" rIns="91440" bIns="45720" numCol="1" anchor="t" anchorCtr="0" compatLnSpc="1">
-                <a:prstTxWarp prst="textNoShape">
-                  <a:avLst/>
-                </a:prstTxWarp>
-              </a:bodyPr>
-              <a:lstStyle/>
-              <a:p>
-                <a:pPr marL="0" marR="0" lvl="0" indent="0" defTabSz="914400" eaLnBrk="1" fontAlgn="auto" latinLnBrk="0" hangingPunct="1">
-                  <a:lnSpc>
-                    <a:spcPct val="100000"/>
-                  </a:lnSpc>
-                  <a:spcBef>
-                    <a:spcPts val="0"/>
-                  </a:spcBef>
-                  <a:spcAft>
-                    <a:spcPts val="0"/>
-                  </a:spcAft>
-                  <a:buClrTx/>
-                  <a:buSzTx/>
-                  <a:buFontTx/>
-                  <a:buNone/>
-                  <a:tabLst/>
-                  <a:defRPr/>
-                </a:pPr>
-                <a:endParaRPr kumimoji="0" lang="ko-KR" altLang="en-US" sz="1800" b="0" i="0" u="none" strike="noStrike" kern="0" cap="none" spc="0" normalizeH="0" baseline="0" noProof="0">
-                  <a:ln>
-                    <a:noFill/>
-                  </a:ln>
-                  <a:solidFill>
-                    <a:sysClr val="windowText" lastClr="000000"/>
-                  </a:solidFill>
-                  <a:effectLst/>
-                  <a:uLnTx/>
-                  <a:uFillTx/>
-                </a:endParaRPr>
-              </a:p>
-            </p:txBody>
-          </p:sp>
-        </p:grpSp>
-        <p:sp>
-          <p:nvSpPr>
-            <p:cNvPr id="2254" name="도넛 2253"/>
-            <p:cNvSpPr/>
-            <p:nvPr/>
-          </p:nvSpPr>
-          <p:spPr>
-            <a:xfrm>
-              <a:off x="5678217" y="2449913"/>
-              <a:ext cx="1217735" cy="1217735"/>
-            </a:xfrm>
-            <a:prstGeom prst="donut">
-              <a:avLst>
-                <a:gd name="adj" fmla="val 3424"/>
-              </a:avLst>
-            </a:prstGeom>
-            <a:solidFill>
-              <a:schemeClr val="bg1"/>
-            </a:solidFill>
-            <a:ln>
-              <a:noFill/>
-            </a:ln>
-            <a:effectLst>
-              <a:outerShdw blurRad="50800" dist="38100" dir="10800000" algn="r" rotWithShape="0">
-                <a:prstClr val="black">
-                  <a:alpha val="40000"/>
-                </a:prstClr>
-              </a:outerShdw>
-            </a:effectLst>
-          </p:spPr>
-          <p:style>
-            <a:lnRef idx="2">
-              <a:schemeClr val="accent1">
-                <a:shade val="50000"/>
-              </a:schemeClr>
-            </a:lnRef>
-            <a:fillRef idx="1">
-              <a:schemeClr val="accent1"/>
-            </a:fillRef>
-            <a:effectRef idx="0">
-              <a:schemeClr val="accent1"/>
-            </a:effectRef>
-            <a:fontRef idx="minor">
-              <a:schemeClr val="lt1"/>
-            </a:fontRef>
-          </p:style>
-          <p:txBody>
-            <a:bodyPr rtlCol="0" anchor="ctr"/>
-            <a:lstStyle/>
-            <a:p>
-              <a:pPr marL="0" marR="0" lvl="0" indent="0" algn="ctr" defTabSz="914400" eaLnBrk="1" fontAlgn="auto" latinLnBrk="0" hangingPunct="1">
-                <a:lnSpc>
-                  <a:spcPct val="100000"/>
-                </a:lnSpc>
-                <a:spcBef>
-                  <a:spcPts val="0"/>
-                </a:spcBef>
-                <a:spcAft>
-                  <a:spcPts val="0"/>
-                </a:spcAft>
-                <a:buClrTx/>
-                <a:buSzTx/>
-                <a:buFontTx/>
-                <a:buNone/>
-                <a:tabLst/>
-                <a:defRPr/>
-              </a:pPr>
-              <a:endParaRPr kumimoji="0" lang="ko-KR" altLang="en-US" sz="1800" b="0" i="0" u="none" strike="noStrike" kern="0" cap="none" spc="0" normalizeH="0" baseline="0" noProof="0">
-                <a:ln>
-                  <a:noFill/>
-                </a:ln>
-                <a:solidFill>
-                  <a:sysClr val="windowText" lastClr="000000"/>
-                </a:solidFill>
-                <a:effectLst/>
-                <a:uLnTx/>
-                <a:uFillTx/>
-              </a:endParaRPr>
-            </a:p>
-          </p:txBody>
-        </p:sp>
-      </p:grpSp>
-      <p:sp>
-        <p:nvSpPr>
-          <p:cNvPr id="2257" name="TextBox 2256"/>
+      <p:sp>
+        <p:nvSpPr>
+          <p:cNvPr id="2" name="TextBox 1"/>
           <p:cNvSpPr txBox="1"/>
           <p:nvPr/>
         </p:nvSpPr>
         <p:spPr>
           <a:xfrm>
-            <a:off x="5490485" y="3629690"/>
-            <a:ext cx="1492716" cy="307777"/>
+            <a:off x="4424855" y="2963917"/>
+            <a:ext cx="2974428" cy="584775"/>
           </a:xfrm>
           <a:prstGeom prst="rect">
             <a:avLst/>
@@ -10270,143 +7219,32 @@
           <a:noFill/>
         </p:spPr>
         <p:txBody>
-          <a:bodyPr wrap="none" rtlCol="0">
+          <a:bodyPr wrap="square" rtlCol="0">
             <a:spAutoFit/>
           </a:bodyPr>
           <a:lstStyle/>
           <a:p>
-            <a:pPr marL="0" marR="0" lvl="0" indent="0" algn="ctr" defTabSz="914400" eaLnBrk="1" fontAlgn="auto" latinLnBrk="0" hangingPunct="1">
-              <a:lnSpc>
-                <a:spcPct val="100000"/>
-              </a:lnSpc>
-              <a:spcBef>
-                <a:spcPts val="0"/>
-              </a:spcBef>
-              <a:spcAft>
-                <a:spcPts val="0"/>
-              </a:spcAft>
-              <a:buClrTx/>
-              <a:buSzTx/>
-              <a:buFontTx/>
-              <a:buNone/>
-              <a:tabLst/>
-              <a:defRPr/>
-            </a:pPr>
-            <a:r>
-              <a:rPr kumimoji="0" lang="en-US" altLang="ko-KR" sz="1400" b="0" i="0" u="none" strike="noStrike" kern="0" cap="none" spc="0" normalizeH="0" baseline="0" noProof="0">
-                <a:ln>
-                  <a:noFill/>
-                </a:ln>
+            <a:pPr algn="ctr"/>
+            <a:r>
+              <a:rPr lang="ko-KR" altLang="en-US" sz="3200" dirty="0" smtClean="0">
                 <a:solidFill>
                   <a:schemeClr val="bg1"/>
                 </a:solidFill>
-                <a:effectLst/>
-                <a:uLnTx/>
-                <a:uFillTx/>
-                <a:latin typeface="KoPub돋움체 Light" panose="02020603020101020101" pitchFamily="18" charset="-127"/>
-                <a:ea typeface="KoPub돋움체 Light" panose="02020603020101020101" pitchFamily="18" charset="-127"/>
               </a:rPr>
-              <a:t>MariAndFriends</a:t>
-            </a:r>
-            <a:endParaRPr kumimoji="0" lang="ko-KR" altLang="en-US" sz="1400" b="0" i="0" u="none" strike="noStrike" kern="0" cap="none" spc="0" normalizeH="0" baseline="0" noProof="0">
-              <a:ln>
-                <a:noFill/>
-              </a:ln>
+              <a:t>감사합니다</a:t>
+            </a:r>
+            <a:r>
+              <a:rPr lang="en-US" altLang="ko-KR" sz="3200" dirty="0" smtClean="0">
+                <a:solidFill>
+                  <a:schemeClr val="bg1"/>
+                </a:solidFill>
+              </a:rPr>
+              <a:t>!</a:t>
+            </a:r>
+            <a:endParaRPr lang="ko-KR" altLang="en-US" sz="3200" dirty="0">
               <a:solidFill>
                 <a:schemeClr val="bg1"/>
               </a:solidFill>
-              <a:effectLst/>
-              <a:uLnTx/>
-              <a:uFillTx/>
-              <a:latin typeface="KoPub돋움체 Light" panose="02020603020101020101" pitchFamily="18" charset="-127"/>
-              <a:ea typeface="KoPub돋움체 Light" panose="02020603020101020101" pitchFamily="18" charset="-127"/>
-            </a:endParaRPr>
-          </a:p>
-        </p:txBody>
-      </p:sp>
-      <p:sp>
-        <p:nvSpPr>
-          <p:cNvPr id="1452" name="TextBox 1451"/>
-          <p:cNvSpPr txBox="1"/>
-          <p:nvPr/>
-        </p:nvSpPr>
-        <p:spPr>
-          <a:xfrm>
-            <a:off x="4223316" y="3894494"/>
-            <a:ext cx="4027064" cy="369332"/>
-          </a:xfrm>
-          <a:prstGeom prst="rect">
-            <a:avLst/>
-          </a:prstGeom>
-          <a:noFill/>
-        </p:spPr>
-        <p:txBody>
-          <a:bodyPr wrap="none" rtlCol="0">
-            <a:spAutoFit/>
-          </a:bodyPr>
-          <a:lstStyle/>
-          <a:p>
-            <a:pPr marL="0" marR="0" lvl="0" indent="0" algn="ctr" defTabSz="914400" eaLnBrk="1" fontAlgn="auto" latinLnBrk="0" hangingPunct="1">
-              <a:lnSpc>
-                <a:spcPct val="100000"/>
-              </a:lnSpc>
-              <a:spcBef>
-                <a:spcPts val="0"/>
-              </a:spcBef>
-              <a:spcAft>
-                <a:spcPts val="0"/>
-              </a:spcAft>
-              <a:buClrTx/>
-              <a:buSzTx/>
-              <a:buFontTx/>
-              <a:buNone/>
-              <a:tabLst/>
-              <a:defRPr/>
-            </a:pPr>
-            <a:r>
-              <a:rPr kumimoji="0" lang="en-US" altLang="ko-KR" sz="1800" b="0" i="0" u="none" strike="noStrike" kern="0" cap="none" spc="0" normalizeH="0" baseline="0" noProof="0">
-                <a:ln>
-                  <a:noFill/>
-                </a:ln>
-                <a:solidFill>
-                  <a:schemeClr val="bg1"/>
-                </a:solidFill>
-                <a:effectLst/>
-                <a:uLnTx/>
-                <a:uFillTx/>
-                <a:latin typeface="KoPub돋움체 Light" panose="02020603020101020101" pitchFamily="18" charset="-127"/>
-                <a:ea typeface="KoPub돋움체 Light" panose="02020603020101020101" pitchFamily="18" charset="-127"/>
-              </a:rPr>
-              <a:t>THANK YOU</a:t>
-            </a:r>
-            <a:r>
-              <a:rPr kumimoji="0" lang="en-US" altLang="ko-KR" sz="1800" b="0" i="0" u="none" strike="noStrike" kern="0" cap="none" spc="0" normalizeH="0" noProof="0">
-                <a:ln>
-                  <a:noFill/>
-                </a:ln>
-                <a:solidFill>
-                  <a:schemeClr val="bg1"/>
-                </a:solidFill>
-                <a:effectLst/>
-                <a:uLnTx/>
-                <a:uFillTx/>
-                <a:latin typeface="KoPub돋움체 Light" panose="02020603020101020101" pitchFamily="18" charset="-127"/>
-                <a:ea typeface="KoPub돋움체 Light" panose="02020603020101020101" pitchFamily="18" charset="-127"/>
-              </a:rPr>
-              <a:t> FOR YOUR ATTENTION</a:t>
-            </a:r>
-            <a:endParaRPr kumimoji="0" lang="ko-KR" altLang="en-US" sz="1800" b="0" i="0" u="none" strike="noStrike" kern="0" cap="none" spc="0" normalizeH="0" baseline="0" noProof="0">
-              <a:ln>
-                <a:noFill/>
-              </a:ln>
-              <a:solidFill>
-                <a:schemeClr val="bg1"/>
-              </a:solidFill>
-              <a:effectLst/>
-              <a:uLnTx/>
-              <a:uFillTx/>
-              <a:latin typeface="KoPub돋움체 Light" panose="02020603020101020101" pitchFamily="18" charset="-127"/>
-              <a:ea typeface="KoPub돋움체 Light" panose="02020603020101020101" pitchFamily="18" charset="-127"/>
             </a:endParaRPr>
           </a:p>
         </p:txBody>
